--- a/one_session_overview/Introduction_Overview.pptx
+++ b/one_session_overview/Introduction_Overview.pptx
@@ -270,7 +270,7 @@
           <a:p>
             <a:fld id="{A7D9A7DC-F1CD-4708-A473-876A4B3B8934}" type="datetime1">
               <a:rPr lang="en-US" smtClean="0"/>
-              <a:t>4/13/2022</a:t>
+              <a:t>10/9/2023</a:t>
             </a:fld>
             <a:endParaRPr lang="en-US" dirty="0"/>
           </a:p>
@@ -454,7 +454,7 @@
           <a:p>
             <a:fld id="{A596092B-28C7-44D1-B902-5437B333DFB7}" type="datetime1">
               <a:rPr lang="en-US" smtClean="0"/>
-              <a:t>4/13/2022</a:t>
+              <a:t>10/9/2023</a:t>
             </a:fld>
             <a:endParaRPr lang="en-US" dirty="0"/>
           </a:p>
@@ -812,7 +812,7 @@
           <a:p>
             <a:fld id="{A596092B-28C7-44D1-B902-5437B333DFB7}" type="datetime1">
               <a:rPr lang="en-US" smtClean="0"/>
-              <a:t>4/13/2022</a:t>
+              <a:t>10/9/2023</a:t>
             </a:fld>
             <a:endParaRPr lang="en-US" dirty="0"/>
           </a:p>
@@ -963,7 +963,7 @@
           <a:p>
             <a:fld id="{A596092B-28C7-44D1-B902-5437B333DFB7}" type="datetime1">
               <a:rPr lang="en-US" smtClean="0"/>
-              <a:t>4/13/2022</a:t>
+              <a:t>10/9/2023</a:t>
             </a:fld>
             <a:endParaRPr lang="en-US" dirty="0"/>
           </a:p>
@@ -1114,7 +1114,7 @@
           <a:p>
             <a:fld id="{A596092B-28C7-44D1-B902-5437B333DFB7}" type="datetime1">
               <a:rPr lang="en-US" smtClean="0"/>
-              <a:t>4/13/2022</a:t>
+              <a:t>10/9/2023</a:t>
             </a:fld>
             <a:endParaRPr lang="en-US" dirty="0"/>
           </a:p>
@@ -1265,7 +1265,7 @@
           <a:p>
             <a:fld id="{A596092B-28C7-44D1-B902-5437B333DFB7}" type="datetime1">
               <a:rPr lang="en-US" smtClean="0"/>
-              <a:t>4/13/2022</a:t>
+              <a:t>10/9/2023</a:t>
             </a:fld>
             <a:endParaRPr lang="en-US" dirty="0"/>
           </a:p>
@@ -1416,7 +1416,7 @@
           <a:p>
             <a:fld id="{A596092B-28C7-44D1-B902-5437B333DFB7}" type="datetime1">
               <a:rPr lang="en-US" smtClean="0"/>
-              <a:t>4/13/2022</a:t>
+              <a:t>10/9/2023</a:t>
             </a:fld>
             <a:endParaRPr lang="en-US" dirty="0"/>
           </a:p>
@@ -1585,7 +1585,7 @@
           <a:p>
             <a:fld id="{A596092B-28C7-44D1-B902-5437B333DFB7}" type="datetime1">
               <a:rPr lang="en-US" smtClean="0"/>
-              <a:t>4/13/2022</a:t>
+              <a:t>10/9/2023</a:t>
             </a:fld>
             <a:endParaRPr lang="en-US" dirty="0"/>
           </a:p>
@@ -1831,7 +1831,7 @@
                 <a:tabLst/>
                 <a:defRPr/>
               </a:pPr>
-              <a:t>4/13/2022</a:t>
+              <a:t>10/9/2023</a:t>
             </a:fld>
             <a:endParaRPr kumimoji="0" lang="en-US" sz="1200" b="0" i="0" u="none" strike="noStrike" kern="1200" cap="none" spc="0" normalizeH="0" baseline="0" noProof="0" dirty="0">
               <a:ln>
@@ -2177,7 +2177,7 @@
                 <a:tabLst/>
                 <a:defRPr/>
               </a:pPr>
-              <a:t>4/13/2022</a:t>
+              <a:t>10/9/2023</a:t>
             </a:fld>
             <a:endParaRPr kumimoji="0" lang="en-US" sz="1200" b="0" i="0" u="none" strike="noStrike" kern="1200" cap="none" spc="0" normalizeH="0" baseline="0" noProof="0" dirty="0">
               <a:ln>
@@ -2538,7 +2538,7 @@
                 <a:tabLst/>
                 <a:defRPr/>
               </a:pPr>
-              <a:t>4/13/2022</a:t>
+              <a:t>10/9/2023</a:t>
             </a:fld>
             <a:endParaRPr kumimoji="0" lang="en-US" sz="1200" b="0" i="0" u="none" strike="noStrike" kern="1200" cap="none" spc="0" normalizeH="0" baseline="0" noProof="0" dirty="0">
               <a:ln>
@@ -2890,7 +2890,7 @@
                 <a:tabLst/>
                 <a:defRPr/>
               </a:pPr>
-              <a:t>4/13/2022</a:t>
+              <a:t>10/9/2023</a:t>
             </a:fld>
             <a:endParaRPr kumimoji="0" lang="en-US" sz="1200" b="0" i="0" u="none" strike="noStrike" kern="1200" cap="none" spc="0" normalizeH="0" baseline="0" noProof="0" dirty="0">
               <a:ln>
@@ -3221,7 +3221,7 @@
                 <a:tabLst/>
                 <a:defRPr/>
               </a:pPr>
-              <a:t>4/13/2022</a:t>
+              <a:t>10/9/2023</a:t>
             </a:fld>
             <a:endParaRPr kumimoji="0" lang="en-US" sz="1200" b="0" i="0" u="none" strike="noStrike" kern="1200" cap="none" spc="0" normalizeH="0" baseline="0" noProof="0" dirty="0">
               <a:ln>
@@ -3493,7 +3493,7 @@
           <a:p>
             <a:fld id="{A596092B-28C7-44D1-B902-5437B333DFB7}" type="datetime1">
               <a:rPr lang="en-US" smtClean="0"/>
-              <a:t>4/13/2022</a:t>
+              <a:t>10/9/2023</a:t>
             </a:fld>
             <a:endParaRPr lang="en-US" dirty="0"/>
           </a:p>
@@ -3728,7 +3728,7 @@
                 <a:tabLst/>
                 <a:defRPr/>
               </a:pPr>
-              <a:t>4/13/2022</a:t>
+              <a:t>10/9/2023</a:t>
             </a:fld>
             <a:endParaRPr kumimoji="0" lang="en-US" sz="1200" b="0" i="0" u="none" strike="noStrike" kern="1200" cap="none" spc="0" normalizeH="0" baseline="0" noProof="0" dirty="0">
               <a:ln>
@@ -4066,7 +4066,7 @@
                 <a:tabLst/>
                 <a:defRPr/>
               </a:pPr>
-              <a:t>4/13/2022</a:t>
+              <a:t>10/9/2023</a:t>
             </a:fld>
             <a:endParaRPr kumimoji="0" lang="en-US" sz="1200" b="0" i="0" u="none" strike="noStrike" kern="1200" cap="none" spc="0" normalizeH="0" baseline="0" noProof="0" dirty="0">
               <a:ln>
@@ -4320,7 +4320,7 @@
           <a:p>
             <a:fld id="{A596092B-28C7-44D1-B902-5437B333DFB7}" type="datetime1">
               <a:rPr lang="en-US" smtClean="0"/>
-              <a:t>4/13/2022</a:t>
+              <a:t>10/9/2023</a:t>
             </a:fld>
             <a:endParaRPr lang="en-US" dirty="0"/>
           </a:p>
@@ -4474,7 +4474,7 @@
           <a:p>
             <a:fld id="{A596092B-28C7-44D1-B902-5437B333DFB7}" type="datetime1">
               <a:rPr lang="en-US" smtClean="0"/>
-              <a:t>4/13/2022</a:t>
+              <a:t>10/9/2023</a:t>
             </a:fld>
             <a:endParaRPr lang="en-US" dirty="0"/>
           </a:p>
@@ -4628,7 +4628,7 @@
           <a:p>
             <a:fld id="{A596092B-28C7-44D1-B902-5437B333DFB7}" type="datetime1">
               <a:rPr lang="en-US" smtClean="0"/>
-              <a:t>4/13/2022</a:t>
+              <a:t>10/9/2023</a:t>
             </a:fld>
             <a:endParaRPr lang="en-US" dirty="0"/>
           </a:p>
@@ -4779,7 +4779,7 @@
           <a:p>
             <a:fld id="{A596092B-28C7-44D1-B902-5437B333DFB7}" type="datetime1">
               <a:rPr lang="en-US" smtClean="0"/>
-              <a:t>4/13/2022</a:t>
+              <a:t>10/9/2023</a:t>
             </a:fld>
             <a:endParaRPr lang="en-US" dirty="0"/>
           </a:p>
@@ -4933,7 +4933,7 @@
           <a:p>
             <a:fld id="{A596092B-28C7-44D1-B902-5437B333DFB7}" type="datetime1">
               <a:rPr lang="en-US" smtClean="0"/>
-              <a:t>4/13/2022</a:t>
+              <a:t>10/9/2023</a:t>
             </a:fld>
             <a:endParaRPr lang="en-US" dirty="0"/>
           </a:p>
@@ -5093,7 +5093,7 @@
           <a:p>
             <a:fld id="{A596092B-28C7-44D1-B902-5437B333DFB7}" type="datetime1">
               <a:rPr lang="en-US" smtClean="0"/>
-              <a:t>4/13/2022</a:t>
+              <a:t>10/9/2023</a:t>
             </a:fld>
             <a:endParaRPr lang="en-US" dirty="0"/>
           </a:p>
@@ -5247,7 +5247,7 @@
           <a:p>
             <a:fld id="{A596092B-28C7-44D1-B902-5437B333DFB7}" type="datetime1">
               <a:rPr lang="en-US" smtClean="0"/>
-              <a:t>4/13/2022</a:t>
+              <a:t>10/9/2023</a:t>
             </a:fld>
             <a:endParaRPr lang="en-US" dirty="0"/>
           </a:p>
@@ -5401,7 +5401,7 @@
           <a:p>
             <a:fld id="{A596092B-28C7-44D1-B902-5437B333DFB7}" type="datetime1">
               <a:rPr lang="en-US" smtClean="0"/>
-              <a:t>4/13/2022</a:t>
+              <a:t>10/9/2023</a:t>
             </a:fld>
             <a:endParaRPr lang="en-US" dirty="0"/>
           </a:p>
@@ -6187,7 +6187,7 @@
           <a:p>
             <a:fld id="{B1DF5501-EE91-4443-9D3B-24E6F28D34E2}" type="datetime1">
               <a:rPr lang="en-US" smtClean="0"/>
-              <a:t>4/13/2022</a:t>
+              <a:t>10/9/2023</a:t>
             </a:fld>
             <a:endParaRPr lang="en-US" dirty="0"/>
           </a:p>
@@ -6453,7 +6453,7 @@
           <a:p>
             <a:fld id="{E954E1E9-8456-43AD-BA28-861520D256B9}" type="datetime1">
               <a:rPr lang="en-US" smtClean="0"/>
-              <a:t>4/13/2022</a:t>
+              <a:t>10/9/2023</a:t>
             </a:fld>
             <a:endParaRPr lang="en-US" dirty="0"/>
           </a:p>
@@ -6771,7 +6771,7 @@
           <a:p>
             <a:fld id="{FAF31E0C-AAFD-4E63-B3AE-16CD757951F4}" type="datetime1">
               <a:rPr lang="en-US" smtClean="0"/>
-              <a:t>4/13/2022</a:t>
+              <a:t>10/9/2023</a:t>
             </a:fld>
             <a:endParaRPr lang="en-US" dirty="0"/>
           </a:p>
@@ -7116,7 +7116,7 @@
           <a:p>
             <a:fld id="{000084FF-4715-4B6E-BD22-453621E5873F}" type="datetime1">
               <a:rPr lang="en-US" smtClean="0"/>
-              <a:t>4/13/2022</a:t>
+              <a:t>10/9/2023</a:t>
             </a:fld>
             <a:endParaRPr lang="en-US" dirty="0"/>
           </a:p>
@@ -7434,7 +7434,7 @@
           <a:p>
             <a:fld id="{6AC37F8D-4DF5-4AB6-A766-5A84B3D74A3B}" type="datetime1">
               <a:rPr lang="en-US" smtClean="0"/>
-              <a:t>4/13/2022</a:t>
+              <a:t>10/9/2023</a:t>
             </a:fld>
             <a:endParaRPr lang="en-US" dirty="0"/>
           </a:p>
@@ -7831,7 +7831,7 @@
           <a:p>
             <a:fld id="{1BF3CD1A-162D-40B2-9B22-9056F77C27F2}" type="datetime1">
               <a:rPr lang="en-US" smtClean="0"/>
-              <a:t>4/13/2022</a:t>
+              <a:t>10/9/2023</a:t>
             </a:fld>
             <a:endParaRPr lang="en-US" dirty="0"/>
           </a:p>
@@ -8005,7 +8005,7 @@
           <a:p>
             <a:fld id="{D42E4200-B1E5-4E39-8279-05DD69810A37}" type="datetime1">
               <a:rPr lang="en-US" smtClean="0"/>
-              <a:t>4/13/2022</a:t>
+              <a:t>10/9/2023</a:t>
             </a:fld>
             <a:endParaRPr lang="en-US" dirty="0"/>
           </a:p>
@@ -8188,7 +8188,7 @@
           <a:p>
             <a:fld id="{47CF7895-00AC-42E5-9790-7B0E3CE09DF2}" type="datetime1">
               <a:rPr lang="en-US" smtClean="0"/>
-              <a:t>4/13/2022</a:t>
+              <a:t>10/9/2023</a:t>
             </a:fld>
             <a:endParaRPr lang="en-US" dirty="0"/>
           </a:p>
@@ -8367,7 +8367,7 @@
           <a:p>
             <a:fld id="{A7119916-CD40-456D-ABE3-55F8822671F7}" type="datetime1">
               <a:rPr lang="en-US" smtClean="0"/>
-              <a:t>4/13/2022</a:t>
+              <a:t>10/9/2023</a:t>
             </a:fld>
             <a:endParaRPr lang="en-US" dirty="0"/>
           </a:p>
@@ -8617,7 +8617,7 @@
           <a:p>
             <a:fld id="{3F9A13D6-B8C2-463B-B3F7-C62E098B328E}" type="datetime1">
               <a:rPr lang="en-US" smtClean="0"/>
-              <a:t>4/13/2022</a:t>
+              <a:t>10/9/2023</a:t>
             </a:fld>
             <a:endParaRPr lang="en-US" dirty="0"/>
           </a:p>
@@ -8852,7 +8852,7 @@
           <a:p>
             <a:fld id="{D2B63420-31EE-4E4B-911C-2601B14D9FDD}" type="datetime1">
               <a:rPr lang="en-US" smtClean="0"/>
-              <a:t>4/13/2022</a:t>
+              <a:t>10/9/2023</a:t>
             </a:fld>
             <a:endParaRPr lang="en-US" dirty="0"/>
           </a:p>
@@ -9229,7 +9229,7 @@
           <a:p>
             <a:fld id="{2DD8986D-86F8-41E6-8CFF-8C91AEF92622}" type="datetime1">
               <a:rPr lang="en-US" smtClean="0"/>
-              <a:t>4/13/2022</a:t>
+              <a:t>10/9/2023</a:t>
             </a:fld>
             <a:endParaRPr lang="en-US" dirty="0"/>
           </a:p>
@@ -9355,7 +9355,7 @@
           <a:p>
             <a:fld id="{BA885161-032E-4C6A-8EDA-39D168DF18E4}" type="datetime1">
               <a:rPr lang="en-US" smtClean="0"/>
-              <a:t>4/13/2022</a:t>
+              <a:t>10/9/2023</a:t>
             </a:fld>
             <a:endParaRPr lang="en-US" dirty="0"/>
           </a:p>
@@ -9453,7 +9453,7 @@
           <a:p>
             <a:fld id="{958E6740-E523-48D9-9C4E-6F218E87BAF3}" type="datetime1">
               <a:rPr lang="en-US" smtClean="0"/>
-              <a:t>4/13/2022</a:t>
+              <a:t>10/9/2023</a:t>
             </a:fld>
             <a:endParaRPr lang="en-US" dirty="0"/>
           </a:p>
@@ -9711,7 +9711,7 @@
           <a:p>
             <a:fld id="{6121D4CA-FF09-4CB8-8D51-2613D19A0F2E}" type="datetime1">
               <a:rPr lang="en-US" smtClean="0"/>
-              <a:t>4/13/2022</a:t>
+              <a:t>10/9/2023</a:t>
             </a:fld>
             <a:endParaRPr lang="en-US" dirty="0"/>
           </a:p>
@@ -9976,7 +9976,7 @@
           <a:p>
             <a:fld id="{8C4779EA-AEA7-43B3-9B65-A77E9A890421}" type="datetime1">
               <a:rPr lang="en-US" smtClean="0"/>
-              <a:t>4/13/2022</a:t>
+              <a:t>10/9/2023</a:t>
             </a:fld>
             <a:endParaRPr lang="en-US" dirty="0"/>
           </a:p>
@@ -10722,7 +10722,7 @@
           <a:p>
             <a:fld id="{059A67F1-3EA0-4026-BE6A-31EE4E1B1DB5}" type="datetime1">
               <a:rPr lang="en-US" smtClean="0"/>
-              <a:t>4/13/2022</a:t>
+              <a:t>10/9/2023</a:t>
             </a:fld>
             <a:endParaRPr lang="en-US" dirty="0"/>
           </a:p>
@@ -11319,7 +11319,7 @@
           <a:p>
             <a:fld id="{0F09E55C-CECE-4F47-839C-0667B2307420}" type="datetime1">
               <a:rPr lang="en-US" smtClean="0"/>
-              <a:t>4/13/2022</a:t>
+              <a:t>10/9/2023</a:t>
             </a:fld>
             <a:endParaRPr lang="en-US" dirty="0"/>
           </a:p>
@@ -11644,7 +11644,7 @@
           <a:p>
             <a:fld id="{F8F3720D-B69F-4A94-83B7-6D73A5F7EAD8}" type="datetime1">
               <a:rPr lang="en-US" smtClean="0"/>
-              <a:t>4/13/2022</a:t>
+              <a:t>10/9/2023</a:t>
             </a:fld>
             <a:endParaRPr lang="en-US" dirty="0"/>
           </a:p>
@@ -11846,7 +11846,7 @@
           <a:p>
             <a:fld id="{A7119916-CD40-456D-ABE3-55F8822671F7}" type="datetime1">
               <a:rPr lang="en-US" smtClean="0"/>
-              <a:t>4/13/2022</a:t>
+              <a:t>10/9/2023</a:t>
             </a:fld>
             <a:endParaRPr lang="en-US" dirty="0"/>
           </a:p>
@@ -12071,7 +12071,7 @@
           <a:p>
             <a:fld id="{0B07C6D0-642C-4A40-B0F1-13ED56048173}" type="datetime1">
               <a:rPr lang="en-US" smtClean="0"/>
-              <a:t>4/13/2022</a:t>
+              <a:t>10/9/2023</a:t>
             </a:fld>
             <a:endParaRPr lang="en-US" dirty="0"/>
           </a:p>
@@ -12292,7 +12292,7 @@
           <a:p>
             <a:fld id="{0B07C6D0-642C-4A40-B0F1-13ED56048173}" type="datetime1">
               <a:rPr lang="en-US" smtClean="0"/>
-              <a:t>4/13/2022</a:t>
+              <a:t>10/9/2023</a:t>
             </a:fld>
             <a:endParaRPr lang="en-US" dirty="0"/>
           </a:p>
@@ -12496,7 +12496,7 @@
           <a:p>
             <a:fld id="{A7119916-CD40-456D-ABE3-55F8822671F7}" type="datetime1">
               <a:rPr lang="en-US" smtClean="0"/>
-              <a:t>4/13/2022</a:t>
+              <a:t>10/9/2023</a:t>
             </a:fld>
             <a:endParaRPr lang="en-US" dirty="0"/>
           </a:p>
@@ -12706,7 +12706,7 @@
           <a:p>
             <a:fld id="{0B07C6D0-642C-4A40-B0F1-13ED56048173}" type="datetime1">
               <a:rPr lang="en-US" smtClean="0"/>
-              <a:t>4/13/2022</a:t>
+              <a:t>10/9/2023</a:t>
             </a:fld>
             <a:endParaRPr lang="en-US" dirty="0"/>
           </a:p>
@@ -12882,7 +12882,7 @@
           <a:p>
             <a:fld id="{A7119916-CD40-456D-ABE3-55F8822671F7}" type="datetime1">
               <a:rPr lang="en-US" smtClean="0"/>
-              <a:t>4/13/2022</a:t>
+              <a:t>10/9/2023</a:t>
             </a:fld>
             <a:endParaRPr lang="en-US" dirty="0"/>
           </a:p>
@@ -13124,7 +13124,7 @@
           <a:p>
             <a:fld id="{A7119916-CD40-456D-ABE3-55F8822671F7}" type="datetime1">
               <a:rPr lang="en-US" smtClean="0"/>
-              <a:t>4/13/2022</a:t>
+              <a:t>10/9/2023</a:t>
             </a:fld>
             <a:endParaRPr lang="en-US" dirty="0"/>
           </a:p>
@@ -13424,7 +13424,7 @@
           <a:p>
             <a:fld id="{A7119916-CD40-456D-ABE3-55F8822671F7}" type="datetime1">
               <a:rPr lang="en-US" smtClean="0"/>
-              <a:t>4/13/2022</a:t>
+              <a:t>10/9/2023</a:t>
             </a:fld>
             <a:endParaRPr lang="en-US" dirty="0"/>
           </a:p>
@@ -13697,7 +13697,7 @@
           <a:p>
             <a:fld id="{A7119916-CD40-456D-ABE3-55F8822671F7}" type="datetime1">
               <a:rPr lang="en-US" smtClean="0"/>
-              <a:t>4/13/2022</a:t>
+              <a:t>10/9/2023</a:t>
             </a:fld>
             <a:endParaRPr lang="en-US" dirty="0"/>
           </a:p>
@@ -13923,7 +13923,7 @@
           <a:p>
             <a:fld id="{17F33E47-61B9-4B4D-8325-8788C9EC3005}" type="datetime1">
               <a:rPr lang="en-US" smtClean="0"/>
-              <a:t>4/13/2022</a:t>
+              <a:t>10/9/2023</a:t>
             </a:fld>
             <a:endParaRPr lang="en-US" dirty="0"/>
           </a:p>
@@ -14174,7 +14174,7 @@
           <a:p>
             <a:fld id="{A7119916-CD40-456D-ABE3-55F8822671F7}" type="datetime1">
               <a:rPr lang="en-US" smtClean="0"/>
-              <a:t>4/13/2022</a:t>
+              <a:t>10/9/2023</a:t>
             </a:fld>
             <a:endParaRPr lang="en-US" dirty="0"/>
           </a:p>
@@ -14468,7 +14468,7 @@
           <a:p>
             <a:fld id="{A7119916-CD40-456D-ABE3-55F8822671F7}" type="datetime1">
               <a:rPr lang="en-US" smtClean="0"/>
-              <a:t>4/13/2022</a:t>
+              <a:t>10/9/2023</a:t>
             </a:fld>
             <a:endParaRPr lang="en-US" dirty="0"/>
           </a:p>
@@ -14726,7 +14726,7 @@
           <a:p>
             <a:fld id="{A7119916-CD40-456D-ABE3-55F8822671F7}" type="datetime1">
               <a:rPr lang="en-US" smtClean="0"/>
-              <a:t>4/13/2022</a:t>
+              <a:t>10/9/2023</a:t>
             </a:fld>
             <a:endParaRPr lang="en-US" dirty="0"/>
           </a:p>
@@ -15046,7 +15046,7 @@
           <a:p>
             <a:fld id="{A7119916-CD40-456D-ABE3-55F8822671F7}" type="datetime1">
               <a:rPr lang="en-US" smtClean="0"/>
-              <a:t>4/13/2022</a:t>
+              <a:t>10/9/2023</a:t>
             </a:fld>
             <a:endParaRPr lang="en-US" dirty="0"/>
           </a:p>
@@ -15315,7 +15315,7 @@
           <a:p>
             <a:fld id="{A7119916-CD40-456D-ABE3-55F8822671F7}" type="datetime1">
               <a:rPr lang="en-US" smtClean="0"/>
-              <a:t>4/13/2022</a:t>
+              <a:t>10/9/2023</a:t>
             </a:fld>
             <a:endParaRPr lang="en-US" dirty="0"/>
           </a:p>
@@ -15573,7 +15573,7 @@
           <a:p>
             <a:fld id="{A7119916-CD40-456D-ABE3-55F8822671F7}" type="datetime1">
               <a:rPr lang="en-US" smtClean="0"/>
-              <a:t>4/13/2022</a:t>
+              <a:t>10/9/2023</a:t>
             </a:fld>
             <a:endParaRPr lang="en-US" dirty="0"/>
           </a:p>
@@ -15822,7 +15822,7 @@
           <a:p>
             <a:fld id="{A7119916-CD40-456D-ABE3-55F8822671F7}" type="datetime1">
               <a:rPr lang="en-US" smtClean="0"/>
-              <a:t>4/13/2022</a:t>
+              <a:t>10/9/2023</a:t>
             </a:fld>
             <a:endParaRPr lang="en-US" dirty="0"/>
           </a:p>
@@ -16171,7 +16171,7 @@
           <a:p>
             <a:fld id="{0B07C6D0-642C-4A40-B0F1-13ED56048173}" type="datetime1">
               <a:rPr lang="en-US" smtClean="0"/>
-              <a:t>4/13/2022</a:t>
+              <a:t>10/9/2023</a:t>
             </a:fld>
             <a:endParaRPr lang="en-US" dirty="0"/>
           </a:p>
@@ -16525,7 +16525,7 @@
           <a:p>
             <a:fld id="{0B07C6D0-642C-4A40-B0F1-13ED56048173}" type="datetime1">
               <a:rPr lang="en-US" smtClean="0"/>
-              <a:t>4/13/2022</a:t>
+              <a:t>10/9/2023</a:t>
             </a:fld>
             <a:endParaRPr lang="en-US" dirty="0"/>
           </a:p>
@@ -16714,7 +16714,7 @@
           <a:p>
             <a:fld id="{A7119916-CD40-456D-ABE3-55F8822671F7}" type="datetime1">
               <a:rPr lang="en-US" smtClean="0"/>
-              <a:t>4/13/2022</a:t>
+              <a:t>10/9/2023</a:t>
             </a:fld>
             <a:endParaRPr lang="en-US" dirty="0"/>
           </a:p>
@@ -16908,7 +16908,7 @@
           <a:p>
             <a:fld id="{B428F5A7-20F3-4981-866F-DD0AA3B623E8}" type="datetime1">
               <a:rPr lang="en-US" smtClean="0"/>
-              <a:t>4/13/2022</a:t>
+              <a:t>10/9/2023</a:t>
             </a:fld>
             <a:endParaRPr lang="en-US" dirty="0"/>
           </a:p>
@@ -17208,7 +17208,7 @@
                 <a:tabLst/>
                 <a:defRPr/>
               </a:pPr>
-              <a:t>4/13/2022</a:t>
+              <a:t>10/9/2023</a:t>
             </a:fld>
             <a:endParaRPr kumimoji="0" lang="en-US" sz="900" b="0" i="0" u="none" strike="noStrike" kern="1200" cap="none" spc="0" normalizeH="0" baseline="0" noProof="0" dirty="0">
               <a:ln>
@@ -17570,7 +17570,7 @@
                 <a:tabLst/>
                 <a:defRPr/>
               </a:pPr>
-              <a:t>4/13/2022</a:t>
+              <a:t>10/9/2023</a:t>
             </a:fld>
             <a:endParaRPr kumimoji="0" lang="en-US" sz="900" b="0" i="0" u="none" strike="noStrike" kern="1200" cap="none" spc="0" normalizeH="0" baseline="0" noProof="0" dirty="0">
               <a:ln>
@@ -17939,7 +17939,7 @@
                 <a:tabLst/>
                 <a:defRPr/>
               </a:pPr>
-              <a:t>4/13/2022</a:t>
+              <a:t>10/9/2023</a:t>
             </a:fld>
             <a:endParaRPr kumimoji="0" lang="en-US" sz="900" b="0" i="0" u="none" strike="noStrike" kern="1200" cap="none" spc="0" normalizeH="0" baseline="0" noProof="0" dirty="0">
               <a:ln>
@@ -18444,7 +18444,7 @@
                 <a:tabLst/>
                 <a:defRPr/>
               </a:pPr>
-              <a:t>4/13/2022</a:t>
+              <a:t>10/9/2023</a:t>
             </a:fld>
             <a:endParaRPr kumimoji="0" lang="en-US" sz="900" b="0" i="0" u="none" strike="noStrike" kern="1200" cap="none" spc="0" normalizeH="0" baseline="0" noProof="0" dirty="0">
               <a:ln>
@@ -18762,7 +18762,7 @@
           <a:p>
             <a:fld id="{A7119916-CD40-456D-ABE3-55F8822671F7}" type="datetime1">
               <a:rPr lang="en-US" smtClean="0"/>
-              <a:t>4/13/2022</a:t>
+              <a:t>10/9/2023</a:t>
             </a:fld>
             <a:endParaRPr lang="en-US" dirty="0"/>
           </a:p>
@@ -19032,7 +19032,7 @@
                 <a:tabLst/>
                 <a:defRPr/>
               </a:pPr>
-              <a:t>4/13/2022</a:t>
+              <a:t>10/9/2023</a:t>
             </a:fld>
             <a:endParaRPr kumimoji="0" lang="en-US" sz="900" b="0" i="0" u="none" strike="noStrike" kern="1200" cap="none" spc="0" normalizeH="0" baseline="0" noProof="0" dirty="0">
               <a:ln>
@@ -19402,7 +19402,7 @@
                 <a:tabLst/>
                 <a:defRPr/>
               </a:pPr>
-              <a:t>4/13/2022</a:t>
+              <a:t>10/9/2023</a:t>
             </a:fld>
             <a:endParaRPr kumimoji="0" lang="en-US" sz="900" b="0" i="0" u="none" strike="noStrike" kern="1200" cap="none" spc="0" normalizeH="0" baseline="0" noProof="0" dirty="0">
               <a:ln>
@@ -19839,7 +19839,7 @@
                 <a:tabLst/>
                 <a:defRPr/>
               </a:pPr>
-              <a:t>4/13/2022</a:t>
+              <a:t>10/9/2023</a:t>
             </a:fld>
             <a:endParaRPr kumimoji="0" lang="en-US" sz="900" b="0" i="0" u="none" strike="noStrike" kern="1200" cap="none" spc="0" normalizeH="0" baseline="0" noProof="0" dirty="0">
               <a:ln>
@@ -20225,7 +20225,7 @@
                 <a:tabLst/>
                 <a:defRPr/>
               </a:pPr>
-              <a:t>4/13/2022</a:t>
+              <a:t>10/9/2023</a:t>
             </a:fld>
             <a:endParaRPr kumimoji="0" lang="en-US" sz="900" b="0" i="0" u="none" strike="noStrike" kern="1200" cap="none" spc="0" normalizeH="0" baseline="0" noProof="0" dirty="0">
               <a:ln>
@@ -20516,7 +20516,7 @@
           <a:p>
             <a:fld id="{A7119916-CD40-456D-ABE3-55F8822671F7}" type="datetime1">
               <a:rPr lang="en-US" smtClean="0"/>
-              <a:t>4/13/2022</a:t>
+              <a:t>10/9/2023</a:t>
             </a:fld>
             <a:endParaRPr lang="en-US" dirty="0"/>
           </a:p>
@@ -20737,7 +20737,7 @@
           <a:p>
             <a:fld id="{17F33E47-61B9-4B4D-8325-8788C9EC3005}" type="datetime1">
               <a:rPr lang="en-US" smtClean="0"/>
-              <a:t>4/13/2022</a:t>
+              <a:t>10/9/2023</a:t>
             </a:fld>
             <a:endParaRPr lang="en-US" dirty="0"/>
           </a:p>
@@ -20888,7 +20888,7 @@
           <a:p>
             <a:fld id="{A7119916-CD40-456D-ABE3-55F8822671F7}" type="datetime1">
               <a:rPr lang="en-US" smtClean="0"/>
-              <a:t>4/13/2022</a:t>
+              <a:t>10/9/2023</a:t>
             </a:fld>
             <a:endParaRPr lang="en-US" dirty="0"/>
           </a:p>
@@ -21141,7 +21141,7 @@
           <a:p>
             <a:fld id="{0B07C6D0-642C-4A40-B0F1-13ED56048173}" type="datetime1">
               <a:rPr lang="en-US" smtClean="0"/>
-              <a:t>4/13/2022</a:t>
+              <a:t>10/9/2023</a:t>
             </a:fld>
             <a:endParaRPr lang="en-US" dirty="0"/>
           </a:p>
@@ -21385,7 +21385,7 @@
           <a:p>
             <a:fld id="{A7119916-CD40-456D-ABE3-55F8822671F7}" type="datetime1">
               <a:rPr lang="en-US" smtClean="0"/>
-              <a:t>4/13/2022</a:t>
+              <a:t>10/9/2023</a:t>
             </a:fld>
             <a:endParaRPr lang="en-US" dirty="0"/>
           </a:p>
@@ -21494,9 +21494,16 @@
             <p:ph type="title"/>
           </p:nvPr>
         </p:nvSpPr>
-        <p:spPr/>
-        <p:txBody>
-          <a:bodyPr/>
+        <p:spPr>
+          <a:xfrm>
+            <a:off x="677334" y="609599"/>
+            <a:ext cx="8596668" cy="1637211"/>
+          </a:xfrm>
+        </p:spPr>
+        <p:txBody>
+          <a:bodyPr>
+            <a:normAutofit fontScale="90000"/>
+          </a:bodyPr>
           <a:lstStyle/>
           <a:p>
             <a:pPr algn="ctr"/>
@@ -21509,7 +21516,14 @@
             </a:br>
             <a:r>
               <a:rPr lang="en-US" dirty="0"/>
-              <a:t> Telling the Computer What to Do</a:t>
+              <a:t> Telling  a Story</a:t>
+            </a:r>
+            <a:br>
+              <a:rPr lang="en-US" dirty="0"/>
+            </a:br>
+            <a:r>
+              <a:rPr lang="en-US" dirty="0"/>
+              <a:t>Telling the Computer What to Do</a:t>
             </a:r>
           </a:p>
         </p:txBody>
@@ -21530,7 +21544,12 @@
             <p:ph idx="1"/>
           </p:nvPr>
         </p:nvSpPr>
-        <p:spPr/>
+        <p:spPr>
+          <a:xfrm>
+            <a:off x="677334" y="2325189"/>
+            <a:ext cx="8596668" cy="3716173"/>
+          </a:xfrm>
+        </p:spPr>
         <p:txBody>
           <a:bodyPr>
             <a:noAutofit/>
@@ -21592,7 +21611,7 @@
           <a:p>
             <a:fld id="{52E41419-A9A0-4E48-99EF-6542B4AE3C79}" type="datetime1">
               <a:rPr lang="en-US" smtClean="0"/>
-              <a:t>4/13/2022</a:t>
+              <a:t>10/9/2023</a:t>
             </a:fld>
             <a:endParaRPr lang="en-US" dirty="0"/>
           </a:p>
@@ -21812,7 +21831,7 @@
           <a:p>
             <a:fld id="{A7119916-CD40-456D-ABE3-55F8822671F7}" type="datetime1">
               <a:rPr lang="en-US" smtClean="0"/>
-              <a:t>4/13/2022</a:t>
+              <a:t>10/9/2023</a:t>
             </a:fld>
             <a:endParaRPr lang="en-US" dirty="0"/>
           </a:p>
@@ -22060,7 +22079,7 @@
           <a:p>
             <a:fld id="{F8F3720D-B69F-4A94-83B7-6D73A5F7EAD8}" type="datetime1">
               <a:rPr lang="en-US" smtClean="0"/>
-              <a:t>4/13/2022</a:t>
+              <a:t>10/9/2023</a:t>
             </a:fld>
             <a:endParaRPr lang="en-US" dirty="0"/>
           </a:p>

--- a/one_session_overview/Introduction_Overview.pptx
+++ b/one_session_overview/Introduction_Overview.pptx
@@ -270,7 +270,7 @@
           <a:p>
             <a:fld id="{A7D9A7DC-F1CD-4708-A473-876A4B3B8934}" type="datetime1">
               <a:rPr lang="en-US" smtClean="0"/>
-              <a:t>10/9/2023</a:t>
+              <a:t>10/19/2023</a:t>
             </a:fld>
             <a:endParaRPr lang="en-US" dirty="0"/>
           </a:p>
@@ -454,7 +454,7 @@
           <a:p>
             <a:fld id="{A596092B-28C7-44D1-B902-5437B333DFB7}" type="datetime1">
               <a:rPr lang="en-US" smtClean="0"/>
-              <a:t>10/9/2023</a:t>
+              <a:t>10/19/2023</a:t>
             </a:fld>
             <a:endParaRPr lang="en-US" dirty="0"/>
           </a:p>
@@ -812,7 +812,7 @@
           <a:p>
             <a:fld id="{A596092B-28C7-44D1-B902-5437B333DFB7}" type="datetime1">
               <a:rPr lang="en-US" smtClean="0"/>
-              <a:t>10/9/2023</a:t>
+              <a:t>10/19/2023</a:t>
             </a:fld>
             <a:endParaRPr lang="en-US" dirty="0"/>
           </a:p>
@@ -963,7 +963,7 @@
           <a:p>
             <a:fld id="{A596092B-28C7-44D1-B902-5437B333DFB7}" type="datetime1">
               <a:rPr lang="en-US" smtClean="0"/>
-              <a:t>10/9/2023</a:t>
+              <a:t>10/19/2023</a:t>
             </a:fld>
             <a:endParaRPr lang="en-US" dirty="0"/>
           </a:p>
@@ -1114,7 +1114,7 @@
           <a:p>
             <a:fld id="{A596092B-28C7-44D1-B902-5437B333DFB7}" type="datetime1">
               <a:rPr lang="en-US" smtClean="0"/>
-              <a:t>10/9/2023</a:t>
+              <a:t>10/19/2023</a:t>
             </a:fld>
             <a:endParaRPr lang="en-US" dirty="0"/>
           </a:p>
@@ -1265,7 +1265,7 @@
           <a:p>
             <a:fld id="{A596092B-28C7-44D1-B902-5437B333DFB7}" type="datetime1">
               <a:rPr lang="en-US" smtClean="0"/>
-              <a:t>10/9/2023</a:t>
+              <a:t>10/19/2023</a:t>
             </a:fld>
             <a:endParaRPr lang="en-US" dirty="0"/>
           </a:p>
@@ -1416,7 +1416,7 @@
           <a:p>
             <a:fld id="{A596092B-28C7-44D1-B902-5437B333DFB7}" type="datetime1">
               <a:rPr lang="en-US" smtClean="0"/>
-              <a:t>10/9/2023</a:t>
+              <a:t>10/19/2023</a:t>
             </a:fld>
             <a:endParaRPr lang="en-US" dirty="0"/>
           </a:p>
@@ -1585,7 +1585,7 @@
           <a:p>
             <a:fld id="{A596092B-28C7-44D1-B902-5437B333DFB7}" type="datetime1">
               <a:rPr lang="en-US" smtClean="0"/>
-              <a:t>10/9/2023</a:t>
+              <a:t>10/19/2023</a:t>
             </a:fld>
             <a:endParaRPr lang="en-US" dirty="0"/>
           </a:p>
@@ -1831,7 +1831,7 @@
                 <a:tabLst/>
                 <a:defRPr/>
               </a:pPr>
-              <a:t>10/9/2023</a:t>
+              <a:t>10/19/2023</a:t>
             </a:fld>
             <a:endParaRPr kumimoji="0" lang="en-US" sz="1200" b="0" i="0" u="none" strike="noStrike" kern="1200" cap="none" spc="0" normalizeH="0" baseline="0" noProof="0" dirty="0">
               <a:ln>
@@ -2177,7 +2177,7 @@
                 <a:tabLst/>
                 <a:defRPr/>
               </a:pPr>
-              <a:t>10/9/2023</a:t>
+              <a:t>10/19/2023</a:t>
             </a:fld>
             <a:endParaRPr kumimoji="0" lang="en-US" sz="1200" b="0" i="0" u="none" strike="noStrike" kern="1200" cap="none" spc="0" normalizeH="0" baseline="0" noProof="0" dirty="0">
               <a:ln>
@@ -2538,7 +2538,7 @@
                 <a:tabLst/>
                 <a:defRPr/>
               </a:pPr>
-              <a:t>10/9/2023</a:t>
+              <a:t>10/19/2023</a:t>
             </a:fld>
             <a:endParaRPr kumimoji="0" lang="en-US" sz="1200" b="0" i="0" u="none" strike="noStrike" kern="1200" cap="none" spc="0" normalizeH="0" baseline="0" noProof="0" dirty="0">
               <a:ln>
@@ -2890,7 +2890,7 @@
                 <a:tabLst/>
                 <a:defRPr/>
               </a:pPr>
-              <a:t>10/9/2023</a:t>
+              <a:t>10/19/2023</a:t>
             </a:fld>
             <a:endParaRPr kumimoji="0" lang="en-US" sz="1200" b="0" i="0" u="none" strike="noStrike" kern="1200" cap="none" spc="0" normalizeH="0" baseline="0" noProof="0" dirty="0">
               <a:ln>
@@ -3221,7 +3221,7 @@
                 <a:tabLst/>
                 <a:defRPr/>
               </a:pPr>
-              <a:t>10/9/2023</a:t>
+              <a:t>10/19/2023</a:t>
             </a:fld>
             <a:endParaRPr kumimoji="0" lang="en-US" sz="1200" b="0" i="0" u="none" strike="noStrike" kern="1200" cap="none" spc="0" normalizeH="0" baseline="0" noProof="0" dirty="0">
               <a:ln>
@@ -3493,7 +3493,7 @@
           <a:p>
             <a:fld id="{A596092B-28C7-44D1-B902-5437B333DFB7}" type="datetime1">
               <a:rPr lang="en-US" smtClean="0"/>
-              <a:t>10/9/2023</a:t>
+              <a:t>10/19/2023</a:t>
             </a:fld>
             <a:endParaRPr lang="en-US" dirty="0"/>
           </a:p>
@@ -3728,7 +3728,7 @@
                 <a:tabLst/>
                 <a:defRPr/>
               </a:pPr>
-              <a:t>10/9/2023</a:t>
+              <a:t>10/19/2023</a:t>
             </a:fld>
             <a:endParaRPr kumimoji="0" lang="en-US" sz="1200" b="0" i="0" u="none" strike="noStrike" kern="1200" cap="none" spc="0" normalizeH="0" baseline="0" noProof="0" dirty="0">
               <a:ln>
@@ -4066,7 +4066,7 @@
                 <a:tabLst/>
                 <a:defRPr/>
               </a:pPr>
-              <a:t>10/9/2023</a:t>
+              <a:t>10/19/2023</a:t>
             </a:fld>
             <a:endParaRPr kumimoji="0" lang="en-US" sz="1200" b="0" i="0" u="none" strike="noStrike" kern="1200" cap="none" spc="0" normalizeH="0" baseline="0" noProof="0" dirty="0">
               <a:ln>
@@ -4320,7 +4320,7 @@
           <a:p>
             <a:fld id="{A596092B-28C7-44D1-B902-5437B333DFB7}" type="datetime1">
               <a:rPr lang="en-US" smtClean="0"/>
-              <a:t>10/9/2023</a:t>
+              <a:t>10/19/2023</a:t>
             </a:fld>
             <a:endParaRPr lang="en-US" dirty="0"/>
           </a:p>
@@ -4474,7 +4474,7 @@
           <a:p>
             <a:fld id="{A596092B-28C7-44D1-B902-5437B333DFB7}" type="datetime1">
               <a:rPr lang="en-US" smtClean="0"/>
-              <a:t>10/9/2023</a:t>
+              <a:t>10/19/2023</a:t>
             </a:fld>
             <a:endParaRPr lang="en-US" dirty="0"/>
           </a:p>
@@ -4628,7 +4628,7 @@
           <a:p>
             <a:fld id="{A596092B-28C7-44D1-B902-5437B333DFB7}" type="datetime1">
               <a:rPr lang="en-US" smtClean="0"/>
-              <a:t>10/9/2023</a:t>
+              <a:t>10/19/2023</a:t>
             </a:fld>
             <a:endParaRPr lang="en-US" dirty="0"/>
           </a:p>
@@ -4779,7 +4779,7 @@
           <a:p>
             <a:fld id="{A596092B-28C7-44D1-B902-5437B333DFB7}" type="datetime1">
               <a:rPr lang="en-US" smtClean="0"/>
-              <a:t>10/9/2023</a:t>
+              <a:t>10/19/2023</a:t>
             </a:fld>
             <a:endParaRPr lang="en-US" dirty="0"/>
           </a:p>
@@ -4933,7 +4933,7 @@
           <a:p>
             <a:fld id="{A596092B-28C7-44D1-B902-5437B333DFB7}" type="datetime1">
               <a:rPr lang="en-US" smtClean="0"/>
-              <a:t>10/9/2023</a:t>
+              <a:t>10/19/2023</a:t>
             </a:fld>
             <a:endParaRPr lang="en-US" dirty="0"/>
           </a:p>
@@ -5093,7 +5093,7 @@
           <a:p>
             <a:fld id="{A596092B-28C7-44D1-B902-5437B333DFB7}" type="datetime1">
               <a:rPr lang="en-US" smtClean="0"/>
-              <a:t>10/9/2023</a:t>
+              <a:t>10/19/2023</a:t>
             </a:fld>
             <a:endParaRPr lang="en-US" dirty="0"/>
           </a:p>
@@ -5247,7 +5247,7 @@
           <a:p>
             <a:fld id="{A596092B-28C7-44D1-B902-5437B333DFB7}" type="datetime1">
               <a:rPr lang="en-US" smtClean="0"/>
-              <a:t>10/9/2023</a:t>
+              <a:t>10/19/2023</a:t>
             </a:fld>
             <a:endParaRPr lang="en-US" dirty="0"/>
           </a:p>
@@ -5401,7 +5401,7 @@
           <a:p>
             <a:fld id="{A596092B-28C7-44D1-B902-5437B333DFB7}" type="datetime1">
               <a:rPr lang="en-US" smtClean="0"/>
-              <a:t>10/9/2023</a:t>
+              <a:t>10/19/2023</a:t>
             </a:fld>
             <a:endParaRPr lang="en-US" dirty="0"/>
           </a:p>
@@ -6187,7 +6187,7 @@
           <a:p>
             <a:fld id="{B1DF5501-EE91-4443-9D3B-24E6F28D34E2}" type="datetime1">
               <a:rPr lang="en-US" smtClean="0"/>
-              <a:t>10/9/2023</a:t>
+              <a:t>10/19/2023</a:t>
             </a:fld>
             <a:endParaRPr lang="en-US" dirty="0"/>
           </a:p>
@@ -6453,7 +6453,7 @@
           <a:p>
             <a:fld id="{E954E1E9-8456-43AD-BA28-861520D256B9}" type="datetime1">
               <a:rPr lang="en-US" smtClean="0"/>
-              <a:t>10/9/2023</a:t>
+              <a:t>10/19/2023</a:t>
             </a:fld>
             <a:endParaRPr lang="en-US" dirty="0"/>
           </a:p>
@@ -6771,7 +6771,7 @@
           <a:p>
             <a:fld id="{FAF31E0C-AAFD-4E63-B3AE-16CD757951F4}" type="datetime1">
               <a:rPr lang="en-US" smtClean="0"/>
-              <a:t>10/9/2023</a:t>
+              <a:t>10/19/2023</a:t>
             </a:fld>
             <a:endParaRPr lang="en-US" dirty="0"/>
           </a:p>
@@ -7116,7 +7116,7 @@
           <a:p>
             <a:fld id="{000084FF-4715-4B6E-BD22-453621E5873F}" type="datetime1">
               <a:rPr lang="en-US" smtClean="0"/>
-              <a:t>10/9/2023</a:t>
+              <a:t>10/19/2023</a:t>
             </a:fld>
             <a:endParaRPr lang="en-US" dirty="0"/>
           </a:p>
@@ -7434,7 +7434,7 @@
           <a:p>
             <a:fld id="{6AC37F8D-4DF5-4AB6-A766-5A84B3D74A3B}" type="datetime1">
               <a:rPr lang="en-US" smtClean="0"/>
-              <a:t>10/9/2023</a:t>
+              <a:t>10/19/2023</a:t>
             </a:fld>
             <a:endParaRPr lang="en-US" dirty="0"/>
           </a:p>
@@ -7831,7 +7831,7 @@
           <a:p>
             <a:fld id="{1BF3CD1A-162D-40B2-9B22-9056F77C27F2}" type="datetime1">
               <a:rPr lang="en-US" smtClean="0"/>
-              <a:t>10/9/2023</a:t>
+              <a:t>10/19/2023</a:t>
             </a:fld>
             <a:endParaRPr lang="en-US" dirty="0"/>
           </a:p>
@@ -8005,7 +8005,7 @@
           <a:p>
             <a:fld id="{D42E4200-B1E5-4E39-8279-05DD69810A37}" type="datetime1">
               <a:rPr lang="en-US" smtClean="0"/>
-              <a:t>10/9/2023</a:t>
+              <a:t>10/19/2023</a:t>
             </a:fld>
             <a:endParaRPr lang="en-US" dirty="0"/>
           </a:p>
@@ -8188,7 +8188,7 @@
           <a:p>
             <a:fld id="{47CF7895-00AC-42E5-9790-7B0E3CE09DF2}" type="datetime1">
               <a:rPr lang="en-US" smtClean="0"/>
-              <a:t>10/9/2023</a:t>
+              <a:t>10/19/2023</a:t>
             </a:fld>
             <a:endParaRPr lang="en-US" dirty="0"/>
           </a:p>
@@ -8367,7 +8367,7 @@
           <a:p>
             <a:fld id="{A7119916-CD40-456D-ABE3-55F8822671F7}" type="datetime1">
               <a:rPr lang="en-US" smtClean="0"/>
-              <a:t>10/9/2023</a:t>
+              <a:t>10/19/2023</a:t>
             </a:fld>
             <a:endParaRPr lang="en-US" dirty="0"/>
           </a:p>
@@ -8617,7 +8617,7 @@
           <a:p>
             <a:fld id="{3F9A13D6-B8C2-463B-B3F7-C62E098B328E}" type="datetime1">
               <a:rPr lang="en-US" smtClean="0"/>
-              <a:t>10/9/2023</a:t>
+              <a:t>10/19/2023</a:t>
             </a:fld>
             <a:endParaRPr lang="en-US" dirty="0"/>
           </a:p>
@@ -8852,7 +8852,7 @@
           <a:p>
             <a:fld id="{D2B63420-31EE-4E4B-911C-2601B14D9FDD}" type="datetime1">
               <a:rPr lang="en-US" smtClean="0"/>
-              <a:t>10/9/2023</a:t>
+              <a:t>10/19/2023</a:t>
             </a:fld>
             <a:endParaRPr lang="en-US" dirty="0"/>
           </a:p>
@@ -9229,7 +9229,7 @@
           <a:p>
             <a:fld id="{2DD8986D-86F8-41E6-8CFF-8C91AEF92622}" type="datetime1">
               <a:rPr lang="en-US" smtClean="0"/>
-              <a:t>10/9/2023</a:t>
+              <a:t>10/19/2023</a:t>
             </a:fld>
             <a:endParaRPr lang="en-US" dirty="0"/>
           </a:p>
@@ -9355,7 +9355,7 @@
           <a:p>
             <a:fld id="{BA885161-032E-4C6A-8EDA-39D168DF18E4}" type="datetime1">
               <a:rPr lang="en-US" smtClean="0"/>
-              <a:t>10/9/2023</a:t>
+              <a:t>10/19/2023</a:t>
             </a:fld>
             <a:endParaRPr lang="en-US" dirty="0"/>
           </a:p>
@@ -9453,7 +9453,7 @@
           <a:p>
             <a:fld id="{958E6740-E523-48D9-9C4E-6F218E87BAF3}" type="datetime1">
               <a:rPr lang="en-US" smtClean="0"/>
-              <a:t>10/9/2023</a:t>
+              <a:t>10/19/2023</a:t>
             </a:fld>
             <a:endParaRPr lang="en-US" dirty="0"/>
           </a:p>
@@ -9711,7 +9711,7 @@
           <a:p>
             <a:fld id="{6121D4CA-FF09-4CB8-8D51-2613D19A0F2E}" type="datetime1">
               <a:rPr lang="en-US" smtClean="0"/>
-              <a:t>10/9/2023</a:t>
+              <a:t>10/19/2023</a:t>
             </a:fld>
             <a:endParaRPr lang="en-US" dirty="0"/>
           </a:p>
@@ -9976,7 +9976,7 @@
           <a:p>
             <a:fld id="{8C4779EA-AEA7-43B3-9B65-A77E9A890421}" type="datetime1">
               <a:rPr lang="en-US" smtClean="0"/>
-              <a:t>10/9/2023</a:t>
+              <a:t>10/19/2023</a:t>
             </a:fld>
             <a:endParaRPr lang="en-US" dirty="0"/>
           </a:p>
@@ -10722,7 +10722,7 @@
           <a:p>
             <a:fld id="{059A67F1-3EA0-4026-BE6A-31EE4E1B1DB5}" type="datetime1">
               <a:rPr lang="en-US" smtClean="0"/>
-              <a:t>10/9/2023</a:t>
+              <a:t>10/19/2023</a:t>
             </a:fld>
             <a:endParaRPr lang="en-US" dirty="0"/>
           </a:p>
@@ -11319,7 +11319,7 @@
           <a:p>
             <a:fld id="{0F09E55C-CECE-4F47-839C-0667B2307420}" type="datetime1">
               <a:rPr lang="en-US" smtClean="0"/>
-              <a:t>10/9/2023</a:t>
+              <a:t>10/19/2023</a:t>
             </a:fld>
             <a:endParaRPr lang="en-US" dirty="0"/>
           </a:p>
@@ -11644,7 +11644,7 @@
           <a:p>
             <a:fld id="{F8F3720D-B69F-4A94-83B7-6D73A5F7EAD8}" type="datetime1">
               <a:rPr lang="en-US" smtClean="0"/>
-              <a:t>10/9/2023</a:t>
+              <a:t>10/19/2023</a:t>
             </a:fld>
             <a:endParaRPr lang="en-US" dirty="0"/>
           </a:p>
@@ -11846,7 +11846,7 @@
           <a:p>
             <a:fld id="{A7119916-CD40-456D-ABE3-55F8822671F7}" type="datetime1">
               <a:rPr lang="en-US" smtClean="0"/>
-              <a:t>10/9/2023</a:t>
+              <a:t>10/19/2023</a:t>
             </a:fld>
             <a:endParaRPr lang="en-US" dirty="0"/>
           </a:p>
@@ -12071,7 +12071,7 @@
           <a:p>
             <a:fld id="{0B07C6D0-642C-4A40-B0F1-13ED56048173}" type="datetime1">
               <a:rPr lang="en-US" smtClean="0"/>
-              <a:t>10/9/2023</a:t>
+              <a:t>10/19/2023</a:t>
             </a:fld>
             <a:endParaRPr lang="en-US" dirty="0"/>
           </a:p>
@@ -12292,7 +12292,7 @@
           <a:p>
             <a:fld id="{0B07C6D0-642C-4A40-B0F1-13ED56048173}" type="datetime1">
               <a:rPr lang="en-US" smtClean="0"/>
-              <a:t>10/9/2023</a:t>
+              <a:t>10/19/2023</a:t>
             </a:fld>
             <a:endParaRPr lang="en-US" dirty="0"/>
           </a:p>
@@ -12496,7 +12496,7 @@
           <a:p>
             <a:fld id="{A7119916-CD40-456D-ABE3-55F8822671F7}" type="datetime1">
               <a:rPr lang="en-US" smtClean="0"/>
-              <a:t>10/9/2023</a:t>
+              <a:t>10/19/2023</a:t>
             </a:fld>
             <a:endParaRPr lang="en-US" dirty="0"/>
           </a:p>
@@ -12706,7 +12706,7 @@
           <a:p>
             <a:fld id="{0B07C6D0-642C-4A40-B0F1-13ED56048173}" type="datetime1">
               <a:rPr lang="en-US" smtClean="0"/>
-              <a:t>10/9/2023</a:t>
+              <a:t>10/19/2023</a:t>
             </a:fld>
             <a:endParaRPr lang="en-US" dirty="0"/>
           </a:p>
@@ -12882,7 +12882,7 @@
           <a:p>
             <a:fld id="{A7119916-CD40-456D-ABE3-55F8822671F7}" type="datetime1">
               <a:rPr lang="en-US" smtClean="0"/>
-              <a:t>10/9/2023</a:t>
+              <a:t>10/19/2023</a:t>
             </a:fld>
             <a:endParaRPr lang="en-US" dirty="0"/>
           </a:p>
@@ -13124,7 +13124,7 @@
           <a:p>
             <a:fld id="{A7119916-CD40-456D-ABE3-55F8822671F7}" type="datetime1">
               <a:rPr lang="en-US" smtClean="0"/>
-              <a:t>10/9/2023</a:t>
+              <a:t>10/19/2023</a:t>
             </a:fld>
             <a:endParaRPr lang="en-US" dirty="0"/>
           </a:p>
@@ -13424,7 +13424,7 @@
           <a:p>
             <a:fld id="{A7119916-CD40-456D-ABE3-55F8822671F7}" type="datetime1">
               <a:rPr lang="en-US" smtClean="0"/>
-              <a:t>10/9/2023</a:t>
+              <a:t>10/19/2023</a:t>
             </a:fld>
             <a:endParaRPr lang="en-US" dirty="0"/>
           </a:p>
@@ -13697,7 +13697,7 @@
           <a:p>
             <a:fld id="{A7119916-CD40-456D-ABE3-55F8822671F7}" type="datetime1">
               <a:rPr lang="en-US" smtClean="0"/>
-              <a:t>10/9/2023</a:t>
+              <a:t>10/19/2023</a:t>
             </a:fld>
             <a:endParaRPr lang="en-US" dirty="0"/>
           </a:p>
@@ -13923,7 +13923,7 @@
           <a:p>
             <a:fld id="{17F33E47-61B9-4B4D-8325-8788C9EC3005}" type="datetime1">
               <a:rPr lang="en-US" smtClean="0"/>
-              <a:t>10/9/2023</a:t>
+              <a:t>10/19/2023</a:t>
             </a:fld>
             <a:endParaRPr lang="en-US" dirty="0"/>
           </a:p>
@@ -14174,7 +14174,7 @@
           <a:p>
             <a:fld id="{A7119916-CD40-456D-ABE3-55F8822671F7}" type="datetime1">
               <a:rPr lang="en-US" smtClean="0"/>
-              <a:t>10/9/2023</a:t>
+              <a:t>10/19/2023</a:t>
             </a:fld>
             <a:endParaRPr lang="en-US" dirty="0"/>
           </a:p>
@@ -14468,7 +14468,7 @@
           <a:p>
             <a:fld id="{A7119916-CD40-456D-ABE3-55F8822671F7}" type="datetime1">
               <a:rPr lang="en-US" smtClean="0"/>
-              <a:t>10/9/2023</a:t>
+              <a:t>10/19/2023</a:t>
             </a:fld>
             <a:endParaRPr lang="en-US" dirty="0"/>
           </a:p>
@@ -14726,7 +14726,7 @@
           <a:p>
             <a:fld id="{A7119916-CD40-456D-ABE3-55F8822671F7}" type="datetime1">
               <a:rPr lang="en-US" smtClean="0"/>
-              <a:t>10/9/2023</a:t>
+              <a:t>10/19/2023</a:t>
             </a:fld>
             <a:endParaRPr lang="en-US" dirty="0"/>
           </a:p>
@@ -15046,7 +15046,7 @@
           <a:p>
             <a:fld id="{A7119916-CD40-456D-ABE3-55F8822671F7}" type="datetime1">
               <a:rPr lang="en-US" smtClean="0"/>
-              <a:t>10/9/2023</a:t>
+              <a:t>10/19/2023</a:t>
             </a:fld>
             <a:endParaRPr lang="en-US" dirty="0"/>
           </a:p>
@@ -15315,7 +15315,7 @@
           <a:p>
             <a:fld id="{A7119916-CD40-456D-ABE3-55F8822671F7}" type="datetime1">
               <a:rPr lang="en-US" smtClean="0"/>
-              <a:t>10/9/2023</a:t>
+              <a:t>10/19/2023</a:t>
             </a:fld>
             <a:endParaRPr lang="en-US" dirty="0"/>
           </a:p>
@@ -15573,7 +15573,7 @@
           <a:p>
             <a:fld id="{A7119916-CD40-456D-ABE3-55F8822671F7}" type="datetime1">
               <a:rPr lang="en-US" smtClean="0"/>
-              <a:t>10/9/2023</a:t>
+              <a:t>10/19/2023</a:t>
             </a:fld>
             <a:endParaRPr lang="en-US" dirty="0"/>
           </a:p>
@@ -15822,7 +15822,7 @@
           <a:p>
             <a:fld id="{A7119916-CD40-456D-ABE3-55F8822671F7}" type="datetime1">
               <a:rPr lang="en-US" smtClean="0"/>
-              <a:t>10/9/2023</a:t>
+              <a:t>10/19/2023</a:t>
             </a:fld>
             <a:endParaRPr lang="en-US" dirty="0"/>
           </a:p>
@@ -16171,7 +16171,7 @@
           <a:p>
             <a:fld id="{0B07C6D0-642C-4A40-B0F1-13ED56048173}" type="datetime1">
               <a:rPr lang="en-US" smtClean="0"/>
-              <a:t>10/9/2023</a:t>
+              <a:t>10/19/2023</a:t>
             </a:fld>
             <a:endParaRPr lang="en-US" dirty="0"/>
           </a:p>
@@ -16525,7 +16525,7 @@
           <a:p>
             <a:fld id="{0B07C6D0-642C-4A40-B0F1-13ED56048173}" type="datetime1">
               <a:rPr lang="en-US" smtClean="0"/>
-              <a:t>10/9/2023</a:t>
+              <a:t>10/19/2023</a:t>
             </a:fld>
             <a:endParaRPr lang="en-US" dirty="0"/>
           </a:p>
@@ -16714,7 +16714,7 @@
           <a:p>
             <a:fld id="{A7119916-CD40-456D-ABE3-55F8822671F7}" type="datetime1">
               <a:rPr lang="en-US" smtClean="0"/>
-              <a:t>10/9/2023</a:t>
+              <a:t>10/19/2023</a:t>
             </a:fld>
             <a:endParaRPr lang="en-US" dirty="0"/>
           </a:p>
@@ -16908,7 +16908,7 @@
           <a:p>
             <a:fld id="{B428F5A7-20F3-4981-866F-DD0AA3B623E8}" type="datetime1">
               <a:rPr lang="en-US" smtClean="0"/>
-              <a:t>10/9/2023</a:t>
+              <a:t>10/19/2023</a:t>
             </a:fld>
             <a:endParaRPr lang="en-US" dirty="0"/>
           </a:p>
@@ -17208,7 +17208,7 @@
                 <a:tabLst/>
                 <a:defRPr/>
               </a:pPr>
-              <a:t>10/9/2023</a:t>
+              <a:t>10/19/2023</a:t>
             </a:fld>
             <a:endParaRPr kumimoji="0" lang="en-US" sz="900" b="0" i="0" u="none" strike="noStrike" kern="1200" cap="none" spc="0" normalizeH="0" baseline="0" noProof="0" dirty="0">
               <a:ln>
@@ -17570,7 +17570,7 @@
                 <a:tabLst/>
                 <a:defRPr/>
               </a:pPr>
-              <a:t>10/9/2023</a:t>
+              <a:t>10/19/2023</a:t>
             </a:fld>
             <a:endParaRPr kumimoji="0" lang="en-US" sz="900" b="0" i="0" u="none" strike="noStrike" kern="1200" cap="none" spc="0" normalizeH="0" baseline="0" noProof="0" dirty="0">
               <a:ln>
@@ -17939,7 +17939,7 @@
                 <a:tabLst/>
                 <a:defRPr/>
               </a:pPr>
-              <a:t>10/9/2023</a:t>
+              <a:t>10/19/2023</a:t>
             </a:fld>
             <a:endParaRPr kumimoji="0" lang="en-US" sz="900" b="0" i="0" u="none" strike="noStrike" kern="1200" cap="none" spc="0" normalizeH="0" baseline="0" noProof="0" dirty="0">
               <a:ln>
@@ -18444,7 +18444,7 @@
                 <a:tabLst/>
                 <a:defRPr/>
               </a:pPr>
-              <a:t>10/9/2023</a:t>
+              <a:t>10/19/2023</a:t>
             </a:fld>
             <a:endParaRPr kumimoji="0" lang="en-US" sz="900" b="0" i="0" u="none" strike="noStrike" kern="1200" cap="none" spc="0" normalizeH="0" baseline="0" noProof="0" dirty="0">
               <a:ln>
@@ -18762,7 +18762,7 @@
           <a:p>
             <a:fld id="{A7119916-CD40-456D-ABE3-55F8822671F7}" type="datetime1">
               <a:rPr lang="en-US" smtClean="0"/>
-              <a:t>10/9/2023</a:t>
+              <a:t>10/19/2023</a:t>
             </a:fld>
             <a:endParaRPr lang="en-US" dirty="0"/>
           </a:p>
@@ -19032,7 +19032,7 @@
                 <a:tabLst/>
                 <a:defRPr/>
               </a:pPr>
-              <a:t>10/9/2023</a:t>
+              <a:t>10/19/2023</a:t>
             </a:fld>
             <a:endParaRPr kumimoji="0" lang="en-US" sz="900" b="0" i="0" u="none" strike="noStrike" kern="1200" cap="none" spc="0" normalizeH="0" baseline="0" noProof="0" dirty="0">
               <a:ln>
@@ -19402,7 +19402,7 @@
                 <a:tabLst/>
                 <a:defRPr/>
               </a:pPr>
-              <a:t>10/9/2023</a:t>
+              <a:t>10/19/2023</a:t>
             </a:fld>
             <a:endParaRPr kumimoji="0" lang="en-US" sz="900" b="0" i="0" u="none" strike="noStrike" kern="1200" cap="none" spc="0" normalizeH="0" baseline="0" noProof="0" dirty="0">
               <a:ln>
@@ -19839,7 +19839,7 @@
                 <a:tabLst/>
                 <a:defRPr/>
               </a:pPr>
-              <a:t>10/9/2023</a:t>
+              <a:t>10/19/2023</a:t>
             </a:fld>
             <a:endParaRPr kumimoji="0" lang="en-US" sz="900" b="0" i="0" u="none" strike="noStrike" kern="1200" cap="none" spc="0" normalizeH="0" baseline="0" noProof="0" dirty="0">
               <a:ln>
@@ -20225,7 +20225,7 @@
                 <a:tabLst/>
                 <a:defRPr/>
               </a:pPr>
-              <a:t>10/9/2023</a:t>
+              <a:t>10/19/2023</a:t>
             </a:fld>
             <a:endParaRPr kumimoji="0" lang="en-US" sz="900" b="0" i="0" u="none" strike="noStrike" kern="1200" cap="none" spc="0" normalizeH="0" baseline="0" noProof="0" dirty="0">
               <a:ln>
@@ -20516,7 +20516,7 @@
           <a:p>
             <a:fld id="{A7119916-CD40-456D-ABE3-55F8822671F7}" type="datetime1">
               <a:rPr lang="en-US" smtClean="0"/>
-              <a:t>10/9/2023</a:t>
+              <a:t>10/19/2023</a:t>
             </a:fld>
             <a:endParaRPr lang="en-US" dirty="0"/>
           </a:p>
@@ -20672,7 +20672,9 @@
         </p:nvSpPr>
         <p:spPr/>
         <p:txBody>
-          <a:bodyPr/>
+          <a:bodyPr>
+            <a:normAutofit/>
+          </a:bodyPr>
           <a:lstStyle/>
           <a:p>
             <a:r>
@@ -20683,7 +20685,7 @@
           <a:p>
             <a:r>
               <a:rPr lang="en-US" sz="3600" dirty="0"/>
-              <a:t>Disable own video – too many reduces clarity- Unless </a:t>
+              <a:t>RAISE HAND when </a:t>
             </a:r>
             <a:r>
               <a:rPr lang="en-US" sz="3600" dirty="0">
@@ -20737,7 +20739,7 @@
           <a:p>
             <a:fld id="{17F33E47-61B9-4B4D-8325-8788C9EC3005}" type="datetime1">
               <a:rPr lang="en-US" smtClean="0"/>
-              <a:t>10/9/2023</a:t>
+              <a:t>10/19/2023</a:t>
             </a:fld>
             <a:endParaRPr lang="en-US" dirty="0"/>
           </a:p>
@@ -20888,7 +20890,7 @@
           <a:p>
             <a:fld id="{A7119916-CD40-456D-ABE3-55F8822671F7}" type="datetime1">
               <a:rPr lang="en-US" smtClean="0"/>
-              <a:t>10/9/2023</a:t>
+              <a:t>10/19/2023</a:t>
             </a:fld>
             <a:endParaRPr lang="en-US" dirty="0"/>
           </a:p>
@@ -21141,7 +21143,7 @@
           <a:p>
             <a:fld id="{0B07C6D0-642C-4A40-B0F1-13ED56048173}" type="datetime1">
               <a:rPr lang="en-US" smtClean="0"/>
-              <a:t>10/9/2023</a:t>
+              <a:t>10/19/2023</a:t>
             </a:fld>
             <a:endParaRPr lang="en-US" dirty="0"/>
           </a:p>
@@ -21385,7 +21387,7 @@
           <a:p>
             <a:fld id="{A7119916-CD40-456D-ABE3-55F8822671F7}" type="datetime1">
               <a:rPr lang="en-US" smtClean="0"/>
-              <a:t>10/9/2023</a:t>
+              <a:t>10/19/2023</a:t>
             </a:fld>
             <a:endParaRPr lang="en-US" dirty="0"/>
           </a:p>
@@ -21611,7 +21613,7 @@
           <a:p>
             <a:fld id="{52E41419-A9A0-4E48-99EF-6542B4AE3C79}" type="datetime1">
               <a:rPr lang="en-US" smtClean="0"/>
-              <a:t>10/9/2023</a:t>
+              <a:t>10/19/2023</a:t>
             </a:fld>
             <a:endParaRPr lang="en-US" dirty="0"/>
           </a:p>
@@ -21831,7 +21833,7 @@
           <a:p>
             <a:fld id="{A7119916-CD40-456D-ABE3-55F8822671F7}" type="datetime1">
               <a:rPr lang="en-US" smtClean="0"/>
-              <a:t>10/9/2023</a:t>
+              <a:t>10/19/2023</a:t>
             </a:fld>
             <a:endParaRPr lang="en-US" dirty="0"/>
           </a:p>
@@ -22079,7 +22081,7 @@
           <a:p>
             <a:fld id="{F8F3720D-B69F-4A94-83B7-6D73A5F7EAD8}" type="datetime1">
               <a:rPr lang="en-US" smtClean="0"/>
-              <a:t>10/9/2023</a:t>
+              <a:t>10/19/2023</a:t>
             </a:fld>
             <a:endParaRPr lang="en-US" dirty="0"/>
           </a:p>

--- a/one_session_overview/Introduction_Overview.pptx
+++ b/one_session_overview/Introduction_Overview.pptx
@@ -5,10 +5,10 @@
     <p:sldMasterId id="2147483687" r:id="rId1"/>
   </p:sldMasterIdLst>
   <p:notesMasterIdLst>
-    <p:notesMasterId r:id="rId42"/>
+    <p:notesMasterId r:id="rId43"/>
   </p:notesMasterIdLst>
   <p:handoutMasterIdLst>
-    <p:handoutMasterId r:id="rId43"/>
+    <p:handoutMasterId r:id="rId44"/>
   </p:handoutMasterIdLst>
   <p:sldIdLst>
     <p:sldId id="256" r:id="rId2"/>
@@ -45,12 +45,13 @@
     <p:sldId id="298" r:id="rId33"/>
     <p:sldId id="302" r:id="rId34"/>
     <p:sldId id="423" r:id="rId35"/>
-    <p:sldId id="391" r:id="rId36"/>
-    <p:sldId id="384" r:id="rId37"/>
-    <p:sldId id="388" r:id="rId38"/>
-    <p:sldId id="428" r:id="rId39"/>
-    <p:sldId id="427" r:id="rId40"/>
-    <p:sldId id="403" r:id="rId41"/>
+    <p:sldId id="432" r:id="rId36"/>
+    <p:sldId id="391" r:id="rId37"/>
+    <p:sldId id="384" r:id="rId38"/>
+    <p:sldId id="429" r:id="rId39"/>
+    <p:sldId id="430" r:id="rId40"/>
+    <p:sldId id="431" r:id="rId41"/>
+    <p:sldId id="403" r:id="rId42"/>
   </p:sldIdLst>
   <p:sldSz cx="12192000" cy="6858000"/>
   <p:notesSz cx="7102475" cy="9388475"/>
@@ -270,7 +271,7 @@
           <a:p>
             <a:fld id="{A7D9A7DC-F1CD-4708-A473-876A4B3B8934}" type="datetime1">
               <a:rPr lang="en-US" smtClean="0"/>
-              <a:t>10/19/2023</a:t>
+              <a:t>5/2/2024</a:t>
             </a:fld>
             <a:endParaRPr lang="en-US" dirty="0"/>
           </a:p>
@@ -454,7 +455,7 @@
           <a:p>
             <a:fld id="{A596092B-28C7-44D1-B902-5437B333DFB7}" type="datetime1">
               <a:rPr lang="en-US" smtClean="0"/>
-              <a:t>10/19/2023</a:t>
+              <a:t>5/2/2024</a:t>
             </a:fld>
             <a:endParaRPr lang="en-US" dirty="0"/>
           </a:p>
@@ -812,7 +813,7 @@
           <a:p>
             <a:fld id="{A596092B-28C7-44D1-B902-5437B333DFB7}" type="datetime1">
               <a:rPr lang="en-US" smtClean="0"/>
-              <a:t>10/19/2023</a:t>
+              <a:t>5/2/2024</a:t>
             </a:fld>
             <a:endParaRPr lang="en-US" dirty="0"/>
           </a:p>
@@ -963,7 +964,7 @@
           <a:p>
             <a:fld id="{A596092B-28C7-44D1-B902-5437B333DFB7}" type="datetime1">
               <a:rPr lang="en-US" smtClean="0"/>
-              <a:t>10/19/2023</a:t>
+              <a:t>5/2/2024</a:t>
             </a:fld>
             <a:endParaRPr lang="en-US" dirty="0"/>
           </a:p>
@@ -1114,7 +1115,7 @@
           <a:p>
             <a:fld id="{A596092B-28C7-44D1-B902-5437B333DFB7}" type="datetime1">
               <a:rPr lang="en-US" smtClean="0"/>
-              <a:t>10/19/2023</a:t>
+              <a:t>5/2/2024</a:t>
             </a:fld>
             <a:endParaRPr lang="en-US" dirty="0"/>
           </a:p>
@@ -1265,7 +1266,7 @@
           <a:p>
             <a:fld id="{A596092B-28C7-44D1-B902-5437B333DFB7}" type="datetime1">
               <a:rPr lang="en-US" smtClean="0"/>
-              <a:t>10/19/2023</a:t>
+              <a:t>5/2/2024</a:t>
             </a:fld>
             <a:endParaRPr lang="en-US" dirty="0"/>
           </a:p>
@@ -1416,7 +1417,7 @@
           <a:p>
             <a:fld id="{A596092B-28C7-44D1-B902-5437B333DFB7}" type="datetime1">
               <a:rPr lang="en-US" smtClean="0"/>
-              <a:t>10/19/2023</a:t>
+              <a:t>5/2/2024</a:t>
             </a:fld>
             <a:endParaRPr lang="en-US" dirty="0"/>
           </a:p>
@@ -1585,7 +1586,7 @@
           <a:p>
             <a:fld id="{A596092B-28C7-44D1-B902-5437B333DFB7}" type="datetime1">
               <a:rPr lang="en-US" smtClean="0"/>
-              <a:t>10/19/2023</a:t>
+              <a:t>5/2/2024</a:t>
             </a:fld>
             <a:endParaRPr lang="en-US" dirty="0"/>
           </a:p>
@@ -1831,7 +1832,7 @@
                 <a:tabLst/>
                 <a:defRPr/>
               </a:pPr>
-              <a:t>10/19/2023</a:t>
+              <a:t>5/2/2024</a:t>
             </a:fld>
             <a:endParaRPr kumimoji="0" lang="en-US" sz="1200" b="0" i="0" u="none" strike="noStrike" kern="1200" cap="none" spc="0" normalizeH="0" baseline="0" noProof="0" dirty="0">
               <a:ln>
@@ -2177,7 +2178,7 @@
                 <a:tabLst/>
                 <a:defRPr/>
               </a:pPr>
-              <a:t>10/19/2023</a:t>
+              <a:t>5/2/2024</a:t>
             </a:fld>
             <a:endParaRPr kumimoji="0" lang="en-US" sz="1200" b="0" i="0" u="none" strike="noStrike" kern="1200" cap="none" spc="0" normalizeH="0" baseline="0" noProof="0" dirty="0">
               <a:ln>
@@ -2538,7 +2539,7 @@
                 <a:tabLst/>
                 <a:defRPr/>
               </a:pPr>
-              <a:t>10/19/2023</a:t>
+              <a:t>5/2/2024</a:t>
             </a:fld>
             <a:endParaRPr kumimoji="0" lang="en-US" sz="1200" b="0" i="0" u="none" strike="noStrike" kern="1200" cap="none" spc="0" normalizeH="0" baseline="0" noProof="0" dirty="0">
               <a:ln>
@@ -2890,7 +2891,7 @@
                 <a:tabLst/>
                 <a:defRPr/>
               </a:pPr>
-              <a:t>10/19/2023</a:t>
+              <a:t>5/3/2024</a:t>
             </a:fld>
             <a:endParaRPr kumimoji="0" lang="en-US" sz="1200" b="0" i="0" u="none" strike="noStrike" kern="1200" cap="none" spc="0" normalizeH="0" baseline="0" noProof="0" dirty="0">
               <a:ln>
@@ -3047,7 +3048,7 @@
     </p:spTree>
     <p:extLst>
       <p:ext uri="{BB962C8B-B14F-4D97-AF65-F5344CB8AC3E}">
-        <p14:creationId xmlns:p14="http://schemas.microsoft.com/office/powerpoint/2010/main" val="749845694"/>
+        <p14:creationId xmlns:p14="http://schemas.microsoft.com/office/powerpoint/2010/main" val="145184787"/>
       </p:ext>
     </p:extLst>
   </p:cSld>
@@ -3101,7 +3102,28 @@
           <a:bodyPr/>
           <a:lstStyle/>
           <a:p>
-            <a:endParaRPr lang="en-US" dirty="0"/>
+            <a:r>
+              <a:rPr lang="en-US" dirty="0"/>
+              <a:t>Can the students provide examples?</a:t>
+            </a:r>
+          </a:p>
+          <a:p>
+            <a:pPr marL="235572" indent="-235572">
+              <a:buAutoNum type="arabicPeriod"/>
+            </a:pPr>
+            <a:r>
+              <a:rPr lang="en-US" dirty="0"/>
+              <a:t>Data types</a:t>
+            </a:r>
+          </a:p>
+          <a:p>
+            <a:pPr marL="235572" indent="-235572">
+              <a:buAutoNum type="arabicPeriod"/>
+            </a:pPr>
+            <a:r>
+              <a:rPr lang="en-US" dirty="0"/>
+              <a:t>Activity/Organization</a:t>
+            </a:r>
           </a:p>
         </p:txBody>
       </p:sp>
@@ -3221,7 +3243,7 @@
                 <a:tabLst/>
                 <a:defRPr/>
               </a:pPr>
-              <a:t>10/19/2023</a:t>
+              <a:t>5/2/2024</a:t>
             </a:fld>
             <a:endParaRPr kumimoji="0" lang="en-US" sz="1200" b="0" i="0" u="none" strike="noStrike" kern="1200" cap="none" spc="0" normalizeH="0" baseline="0" noProof="0" dirty="0">
               <a:ln>
@@ -3378,7 +3400,7 @@
     </p:spTree>
     <p:extLst>
       <p:ext uri="{BB962C8B-B14F-4D97-AF65-F5344CB8AC3E}">
-        <p14:creationId xmlns:p14="http://schemas.microsoft.com/office/powerpoint/2010/main" val="1115598003"/>
+        <p14:creationId xmlns:p14="http://schemas.microsoft.com/office/powerpoint/2010/main" val="749845694"/>
       </p:ext>
     </p:extLst>
   </p:cSld>
@@ -3493,7 +3515,7 @@
           <a:p>
             <a:fld id="{A596092B-28C7-44D1-B902-5437B333DFB7}" type="datetime1">
               <a:rPr lang="en-US" smtClean="0"/>
-              <a:t>10/19/2023</a:t>
+              <a:t>5/2/2024</a:t>
             </a:fld>
             <a:endParaRPr lang="en-US" dirty="0"/>
           </a:p>
@@ -3600,13 +3622,6 @@
         <p:txBody>
           <a:bodyPr/>
           <a:lstStyle/>
-          <a:p>
-            <a:pPr defTabSz="942289"/>
-            <a:r>
-              <a:rPr lang="en-US" dirty="0"/>
-              <a:t>"__" leading, and sometimes trailing, double underscore "dunder" – informally reserved for special type variable or function names</a:t>
-            </a:r>
-          </a:p>
           <a:p>
             <a:endParaRPr lang="en-US" dirty="0"/>
           </a:p>
@@ -3728,7 +3743,7 @@
                 <a:tabLst/>
                 <a:defRPr/>
               </a:pPr>
-              <a:t>10/19/2023</a:t>
+              <a:t>5/2/2024</a:t>
             </a:fld>
             <a:endParaRPr kumimoji="0" lang="en-US" sz="1200" b="0" i="0" u="none" strike="noStrike" kern="1200" cap="none" spc="0" normalizeH="0" baseline="0" noProof="0" dirty="0">
               <a:ln>
@@ -3885,7 +3900,7 @@
     </p:spTree>
     <p:extLst>
       <p:ext uri="{BB962C8B-B14F-4D97-AF65-F5344CB8AC3E}">
-        <p14:creationId xmlns:p14="http://schemas.microsoft.com/office/powerpoint/2010/main" val="1541664981"/>
+        <p14:creationId xmlns:p14="http://schemas.microsoft.com/office/powerpoint/2010/main" val="1115598003"/>
       </p:ext>
     </p:extLst>
   </p:cSld>
@@ -3939,344 +3954,6 @@
           <a:bodyPr/>
           <a:lstStyle/>
           <a:p>
-            <a:pPr defTabSz="942289"/>
-            <a:r>
-              <a:rPr lang="en-US" dirty="0"/>
-              <a:t>"__" leading, and sometimes trailing, double underscore "dunder" – informally reserved for special type variable or function names</a:t>
-            </a:r>
-          </a:p>
-          <a:p>
-            <a:endParaRPr lang="en-US" dirty="0"/>
-          </a:p>
-        </p:txBody>
-      </p:sp>
-      <p:sp>
-        <p:nvSpPr>
-          <p:cNvPr id="4" name="Header Placeholder 3"/>
-          <p:cNvSpPr>
-            <a:spLocks noGrp="1"/>
-          </p:cNvSpPr>
-          <p:nvPr>
-            <p:ph type="hdr" sz="quarter"/>
-          </p:nvPr>
-        </p:nvSpPr>
-        <p:spPr/>
-        <p:txBody>
-          <a:bodyPr/>
-          <a:lstStyle/>
-          <a:p>
-            <a:pPr marL="0" marR="0" lvl="0" indent="0" algn="l" defTabSz="457200" rtl="0" eaLnBrk="1" fontAlgn="auto" latinLnBrk="0" hangingPunct="1">
-              <a:lnSpc>
-                <a:spcPct val="100000"/>
-              </a:lnSpc>
-              <a:spcBef>
-                <a:spcPts val="0"/>
-              </a:spcBef>
-              <a:spcAft>
-                <a:spcPts val="0"/>
-              </a:spcAft>
-              <a:buClrTx/>
-              <a:buSzTx/>
-              <a:buFontTx/>
-              <a:buNone/>
-              <a:tabLst/>
-              <a:defRPr/>
-            </a:pPr>
-            <a:r>
-              <a:rPr kumimoji="0" lang="en-US" sz="1200" b="0" i="0" u="none" strike="noStrike" kern="1200" cap="none" spc="0" normalizeH="0" baseline="0" noProof="0" dirty="0">
-                <a:ln>
-                  <a:noFill/>
-                </a:ln>
-                <a:solidFill>
-                  <a:prstClr val="black"/>
-                </a:solidFill>
-                <a:effectLst/>
-                <a:uLnTx/>
-                <a:uFillTx/>
-                <a:latin typeface="Calibri" panose="020F0502020204030204"/>
-                <a:ea typeface="+mn-ea"/>
-                <a:cs typeface="+mn-cs"/>
-              </a:rPr>
-              <a:t>Introduction to Programming using Python</a:t>
-            </a:r>
-          </a:p>
-        </p:txBody>
-      </p:sp>
-      <p:sp>
-        <p:nvSpPr>
-          <p:cNvPr id="5" name="Date Placeholder 4"/>
-          <p:cNvSpPr>
-            <a:spLocks noGrp="1"/>
-          </p:cNvSpPr>
-          <p:nvPr>
-            <p:ph type="dt" idx="1"/>
-          </p:nvPr>
-        </p:nvSpPr>
-        <p:spPr/>
-        <p:txBody>
-          <a:bodyPr/>
-          <a:lstStyle/>
-          <a:p>
-            <a:pPr marL="0" marR="0" lvl="0" indent="0" algn="r" defTabSz="457200" rtl="0" eaLnBrk="1" fontAlgn="auto" latinLnBrk="0" hangingPunct="1">
-              <a:lnSpc>
-                <a:spcPct val="100000"/>
-              </a:lnSpc>
-              <a:spcBef>
-                <a:spcPts val="0"/>
-              </a:spcBef>
-              <a:spcAft>
-                <a:spcPts val="0"/>
-              </a:spcAft>
-              <a:buClrTx/>
-              <a:buSzTx/>
-              <a:buFontTx/>
-              <a:buNone/>
-              <a:tabLst/>
-              <a:defRPr/>
-            </a:pPr>
-            <a:fld id="{A596092B-28C7-44D1-B902-5437B333DFB7}" type="datetime1">
-              <a:rPr kumimoji="0" lang="en-US" sz="1200" b="0" i="0" u="none" strike="noStrike" kern="1200" cap="none" spc="0" normalizeH="0" baseline="0" noProof="0" smtClean="0">
-                <a:ln>
-                  <a:noFill/>
-                </a:ln>
-                <a:solidFill>
-                  <a:prstClr val="black"/>
-                </a:solidFill>
-                <a:effectLst/>
-                <a:uLnTx/>
-                <a:uFillTx/>
-                <a:latin typeface="Calibri" panose="020F0502020204030204"/>
-                <a:ea typeface="+mn-ea"/>
-                <a:cs typeface="+mn-cs"/>
-              </a:rPr>
-              <a:pPr marL="0" marR="0" lvl="0" indent="0" algn="r" defTabSz="457200" rtl="0" eaLnBrk="1" fontAlgn="auto" latinLnBrk="0" hangingPunct="1">
-                <a:lnSpc>
-                  <a:spcPct val="100000"/>
-                </a:lnSpc>
-                <a:spcBef>
-                  <a:spcPts val="0"/>
-                </a:spcBef>
-                <a:spcAft>
-                  <a:spcPts val="0"/>
-                </a:spcAft>
-                <a:buClrTx/>
-                <a:buSzTx/>
-                <a:buFontTx/>
-                <a:buNone/>
-                <a:tabLst/>
-                <a:defRPr/>
-              </a:pPr>
-              <a:t>10/19/2023</a:t>
-            </a:fld>
-            <a:endParaRPr kumimoji="0" lang="en-US" sz="1200" b="0" i="0" u="none" strike="noStrike" kern="1200" cap="none" spc="0" normalizeH="0" baseline="0" noProof="0" dirty="0">
-              <a:ln>
-                <a:noFill/>
-              </a:ln>
-              <a:solidFill>
-                <a:prstClr val="black"/>
-              </a:solidFill>
-              <a:effectLst/>
-              <a:uLnTx/>
-              <a:uFillTx/>
-              <a:latin typeface="Calibri" panose="020F0502020204030204"/>
-              <a:ea typeface="+mn-ea"/>
-              <a:cs typeface="+mn-cs"/>
-            </a:endParaRPr>
-          </a:p>
-        </p:txBody>
-      </p:sp>
-      <p:sp>
-        <p:nvSpPr>
-          <p:cNvPr id="6" name="Footer Placeholder 5"/>
-          <p:cNvSpPr>
-            <a:spLocks noGrp="1"/>
-          </p:cNvSpPr>
-          <p:nvPr>
-            <p:ph type="ftr" sz="quarter" idx="4"/>
-          </p:nvPr>
-        </p:nvSpPr>
-        <p:spPr/>
-        <p:txBody>
-          <a:bodyPr/>
-          <a:lstStyle/>
-          <a:p>
-            <a:pPr marL="0" marR="0" lvl="0" indent="0" algn="l" defTabSz="457200" rtl="0" eaLnBrk="1" fontAlgn="auto" latinLnBrk="0" hangingPunct="1">
-              <a:lnSpc>
-                <a:spcPct val="100000"/>
-              </a:lnSpc>
-              <a:spcBef>
-                <a:spcPts val="0"/>
-              </a:spcBef>
-              <a:spcAft>
-                <a:spcPts val="0"/>
-              </a:spcAft>
-              <a:buClrTx/>
-              <a:buSzTx/>
-              <a:buFontTx/>
-              <a:buNone/>
-              <a:tabLst/>
-              <a:defRPr/>
-            </a:pPr>
-            <a:r>
-              <a:rPr kumimoji="0" lang="en-US" sz="1200" b="0" i="0" u="none" strike="noStrike" kern="1200" cap="none" spc="0" normalizeH="0" baseline="0" noProof="0" dirty="0">
-                <a:ln>
-                  <a:noFill/>
-                </a:ln>
-                <a:solidFill>
-                  <a:prstClr val="black"/>
-                </a:solidFill>
-                <a:effectLst/>
-                <a:uLnTx/>
-                <a:uFillTx/>
-                <a:latin typeface="Calibri" panose="020F0502020204030204"/>
-                <a:ea typeface="+mn-ea"/>
-                <a:cs typeface="+mn-cs"/>
-              </a:rPr>
-              <a:t>raysmith@alum.mit.edu</a:t>
-            </a:r>
-          </a:p>
-        </p:txBody>
-      </p:sp>
-      <p:sp>
-        <p:nvSpPr>
-          <p:cNvPr id="7" name="Slide Number Placeholder 6"/>
-          <p:cNvSpPr>
-            <a:spLocks noGrp="1"/>
-          </p:cNvSpPr>
-          <p:nvPr>
-            <p:ph type="sldNum" sz="quarter" idx="5"/>
-          </p:nvPr>
-        </p:nvSpPr>
-        <p:spPr/>
-        <p:txBody>
-          <a:bodyPr/>
-          <a:lstStyle/>
-          <a:p>
-            <a:pPr marL="0" marR="0" lvl="0" indent="0" algn="r" defTabSz="457200" rtl="0" eaLnBrk="1" fontAlgn="auto" latinLnBrk="0" hangingPunct="1">
-              <a:lnSpc>
-                <a:spcPct val="100000"/>
-              </a:lnSpc>
-              <a:spcBef>
-                <a:spcPts val="0"/>
-              </a:spcBef>
-              <a:spcAft>
-                <a:spcPts val="0"/>
-              </a:spcAft>
-              <a:buClrTx/>
-              <a:buSzTx/>
-              <a:buFontTx/>
-              <a:buNone/>
-              <a:tabLst/>
-              <a:defRPr/>
-            </a:pPr>
-            <a:fld id="{BA791329-992B-4F83-8435-C33B0EC26DB3}" type="slidenum">
-              <a:rPr kumimoji="0" lang="en-US" sz="1200" b="0" i="0" u="none" strike="noStrike" kern="1200" cap="none" spc="0" normalizeH="0" baseline="0" noProof="0" smtClean="0">
-                <a:ln>
-                  <a:noFill/>
-                </a:ln>
-                <a:solidFill>
-                  <a:prstClr val="black"/>
-                </a:solidFill>
-                <a:effectLst/>
-                <a:uLnTx/>
-                <a:uFillTx/>
-                <a:latin typeface="Calibri" panose="020F0502020204030204"/>
-                <a:ea typeface="+mn-ea"/>
-                <a:cs typeface="+mn-cs"/>
-              </a:rPr>
-              <a:pPr marL="0" marR="0" lvl="0" indent="0" algn="r" defTabSz="457200" rtl="0" eaLnBrk="1" fontAlgn="auto" latinLnBrk="0" hangingPunct="1">
-                <a:lnSpc>
-                  <a:spcPct val="100000"/>
-                </a:lnSpc>
-                <a:spcBef>
-                  <a:spcPts val="0"/>
-                </a:spcBef>
-                <a:spcAft>
-                  <a:spcPts val="0"/>
-                </a:spcAft>
-                <a:buClrTx/>
-                <a:buSzTx/>
-                <a:buFontTx/>
-                <a:buNone/>
-                <a:tabLst/>
-                <a:defRPr/>
-              </a:pPr>
-              <a:t>38</a:t>
-            </a:fld>
-            <a:endParaRPr kumimoji="0" lang="en-US" sz="1200" b="0" i="0" u="none" strike="noStrike" kern="1200" cap="none" spc="0" normalizeH="0" baseline="0" noProof="0" dirty="0">
-              <a:ln>
-                <a:noFill/>
-              </a:ln>
-              <a:solidFill>
-                <a:prstClr val="black"/>
-              </a:solidFill>
-              <a:effectLst/>
-              <a:uLnTx/>
-              <a:uFillTx/>
-              <a:latin typeface="Calibri" panose="020F0502020204030204"/>
-              <a:ea typeface="+mn-ea"/>
-              <a:cs typeface="+mn-cs"/>
-            </a:endParaRPr>
-          </a:p>
-        </p:txBody>
-      </p:sp>
-    </p:spTree>
-    <p:extLst>
-      <p:ext uri="{BB962C8B-B14F-4D97-AF65-F5344CB8AC3E}">
-        <p14:creationId xmlns:p14="http://schemas.microsoft.com/office/powerpoint/2010/main" val="4014568386"/>
-      </p:ext>
-    </p:extLst>
-  </p:cSld>
-  <p:clrMapOvr>
-    <a:masterClrMapping/>
-  </p:clrMapOvr>
-</p:notes>
-</file>
-
-<file path=ppt/notesSlides/notesSlide22.xml><?xml version="1.0" encoding="utf-8"?>
-<p:notes xmlns:a="http://schemas.openxmlformats.org/drawingml/2006/main" xmlns:r="http://schemas.openxmlformats.org/officeDocument/2006/relationships" xmlns:p="http://schemas.openxmlformats.org/presentationml/2006/main">
-  <p:cSld>
-    <p:spTree>
-      <p:nvGrpSpPr>
-        <p:cNvPr id="1" name=""/>
-        <p:cNvGrpSpPr/>
-        <p:nvPr/>
-      </p:nvGrpSpPr>
-      <p:grpSpPr>
-        <a:xfrm>
-          <a:off x="0" y="0"/>
-          <a:ext cx="0" cy="0"/>
-          <a:chOff x="0" y="0"/>
-          <a:chExt cx="0" cy="0"/>
-        </a:xfrm>
-      </p:grpSpPr>
-      <p:sp>
-        <p:nvSpPr>
-          <p:cNvPr id="2" name="Slide Image Placeholder 1"/>
-          <p:cNvSpPr>
-            <a:spLocks noGrp="1" noRot="1" noChangeAspect="1"/>
-          </p:cNvSpPr>
-          <p:nvPr>
-            <p:ph type="sldImg"/>
-          </p:nvPr>
-        </p:nvSpPr>
-        <p:spPr/>
-      </p:sp>
-      <p:sp>
-        <p:nvSpPr>
-          <p:cNvPr id="3" name="Notes Placeholder 2"/>
-          <p:cNvSpPr>
-            <a:spLocks noGrp="1"/>
-          </p:cNvSpPr>
-          <p:nvPr>
-            <p:ph type="body" idx="1"/>
-          </p:nvPr>
-        </p:nvSpPr>
-        <p:spPr/>
-        <p:txBody>
-          <a:bodyPr/>
-          <a:lstStyle/>
-          <a:p>
             <a:endParaRPr lang="en-US" dirty="0"/>
           </a:p>
         </p:txBody>
@@ -4320,7 +3997,7 @@
           <a:p>
             <a:fld id="{A596092B-28C7-44D1-B902-5437B333DFB7}" type="datetime1">
               <a:rPr lang="en-US" smtClean="0"/>
-              <a:t>10/19/2023</a:t>
+              <a:t>5/2/2024</a:t>
             </a:fld>
             <a:endParaRPr lang="en-US" dirty="0"/>
           </a:p>
@@ -4365,7 +4042,7 @@
           <a:p>
             <a:fld id="{BA791329-992B-4F83-8435-C33B0EC26DB3}" type="slidenum">
               <a:rPr lang="en-US" smtClean="0"/>
-              <a:t>40</a:t>
+              <a:t>41</a:t>
             </a:fld>
             <a:endParaRPr lang="en-US" dirty="0"/>
           </a:p>
@@ -4474,7 +4151,7 @@
           <a:p>
             <a:fld id="{A596092B-28C7-44D1-B902-5437B333DFB7}" type="datetime1">
               <a:rPr lang="en-US" smtClean="0"/>
-              <a:t>10/19/2023</a:t>
+              <a:t>5/2/2024</a:t>
             </a:fld>
             <a:endParaRPr lang="en-US" dirty="0"/>
           </a:p>
@@ -4628,7 +4305,7 @@
           <a:p>
             <a:fld id="{A596092B-28C7-44D1-B902-5437B333DFB7}" type="datetime1">
               <a:rPr lang="en-US" smtClean="0"/>
-              <a:t>10/19/2023</a:t>
+              <a:t>5/2/2024</a:t>
             </a:fld>
             <a:endParaRPr lang="en-US" dirty="0"/>
           </a:p>
@@ -4779,7 +4456,7 @@
           <a:p>
             <a:fld id="{A596092B-28C7-44D1-B902-5437B333DFB7}" type="datetime1">
               <a:rPr lang="en-US" smtClean="0"/>
-              <a:t>10/19/2023</a:t>
+              <a:t>5/2/2024</a:t>
             </a:fld>
             <a:endParaRPr lang="en-US" dirty="0"/>
           </a:p>
@@ -4933,7 +4610,7 @@
           <a:p>
             <a:fld id="{A596092B-28C7-44D1-B902-5437B333DFB7}" type="datetime1">
               <a:rPr lang="en-US" smtClean="0"/>
-              <a:t>10/19/2023</a:t>
+              <a:t>5/2/2024</a:t>
             </a:fld>
             <a:endParaRPr lang="en-US" dirty="0"/>
           </a:p>
@@ -5093,7 +4770,7 @@
           <a:p>
             <a:fld id="{A596092B-28C7-44D1-B902-5437B333DFB7}" type="datetime1">
               <a:rPr lang="en-US" smtClean="0"/>
-              <a:t>10/19/2023</a:t>
+              <a:t>5/2/2024</a:t>
             </a:fld>
             <a:endParaRPr lang="en-US" dirty="0"/>
           </a:p>
@@ -5247,7 +4924,7 @@
           <a:p>
             <a:fld id="{A596092B-28C7-44D1-B902-5437B333DFB7}" type="datetime1">
               <a:rPr lang="en-US" smtClean="0"/>
-              <a:t>10/19/2023</a:t>
+              <a:t>5/2/2024</a:t>
             </a:fld>
             <a:endParaRPr lang="en-US" dirty="0"/>
           </a:p>
@@ -5401,7 +5078,7 @@
           <a:p>
             <a:fld id="{A596092B-28C7-44D1-B902-5437B333DFB7}" type="datetime1">
               <a:rPr lang="en-US" smtClean="0"/>
-              <a:t>10/19/2023</a:t>
+              <a:t>5/2/2024</a:t>
             </a:fld>
             <a:endParaRPr lang="en-US" dirty="0"/>
           </a:p>
@@ -6187,7 +5864,7 @@
           <a:p>
             <a:fld id="{B1DF5501-EE91-4443-9D3B-24E6F28D34E2}" type="datetime1">
               <a:rPr lang="en-US" smtClean="0"/>
-              <a:t>10/19/2023</a:t>
+              <a:t>5/2/2024</a:t>
             </a:fld>
             <a:endParaRPr lang="en-US" dirty="0"/>
           </a:p>
@@ -6453,7 +6130,7 @@
           <a:p>
             <a:fld id="{E954E1E9-8456-43AD-BA28-861520D256B9}" type="datetime1">
               <a:rPr lang="en-US" smtClean="0"/>
-              <a:t>10/19/2023</a:t>
+              <a:t>5/2/2024</a:t>
             </a:fld>
             <a:endParaRPr lang="en-US" dirty="0"/>
           </a:p>
@@ -6771,7 +6448,7 @@
           <a:p>
             <a:fld id="{FAF31E0C-AAFD-4E63-B3AE-16CD757951F4}" type="datetime1">
               <a:rPr lang="en-US" smtClean="0"/>
-              <a:t>10/19/2023</a:t>
+              <a:t>5/2/2024</a:t>
             </a:fld>
             <a:endParaRPr lang="en-US" dirty="0"/>
           </a:p>
@@ -7116,7 +6793,7 @@
           <a:p>
             <a:fld id="{000084FF-4715-4B6E-BD22-453621E5873F}" type="datetime1">
               <a:rPr lang="en-US" smtClean="0"/>
-              <a:t>10/19/2023</a:t>
+              <a:t>5/2/2024</a:t>
             </a:fld>
             <a:endParaRPr lang="en-US" dirty="0"/>
           </a:p>
@@ -7434,7 +7111,7 @@
           <a:p>
             <a:fld id="{6AC37F8D-4DF5-4AB6-A766-5A84B3D74A3B}" type="datetime1">
               <a:rPr lang="en-US" smtClean="0"/>
-              <a:t>10/19/2023</a:t>
+              <a:t>5/2/2024</a:t>
             </a:fld>
             <a:endParaRPr lang="en-US" dirty="0"/>
           </a:p>
@@ -7831,7 +7508,7 @@
           <a:p>
             <a:fld id="{1BF3CD1A-162D-40B2-9B22-9056F77C27F2}" type="datetime1">
               <a:rPr lang="en-US" smtClean="0"/>
-              <a:t>10/19/2023</a:t>
+              <a:t>5/2/2024</a:t>
             </a:fld>
             <a:endParaRPr lang="en-US" dirty="0"/>
           </a:p>
@@ -8005,7 +7682,7 @@
           <a:p>
             <a:fld id="{D42E4200-B1E5-4E39-8279-05DD69810A37}" type="datetime1">
               <a:rPr lang="en-US" smtClean="0"/>
-              <a:t>10/19/2023</a:t>
+              <a:t>5/2/2024</a:t>
             </a:fld>
             <a:endParaRPr lang="en-US" dirty="0"/>
           </a:p>
@@ -8188,7 +7865,7 @@
           <a:p>
             <a:fld id="{47CF7895-00AC-42E5-9790-7B0E3CE09DF2}" type="datetime1">
               <a:rPr lang="en-US" smtClean="0"/>
-              <a:t>10/19/2023</a:t>
+              <a:t>5/2/2024</a:t>
             </a:fld>
             <a:endParaRPr lang="en-US" dirty="0"/>
           </a:p>
@@ -8367,7 +8044,7 @@
           <a:p>
             <a:fld id="{A7119916-CD40-456D-ABE3-55F8822671F7}" type="datetime1">
               <a:rPr lang="en-US" smtClean="0"/>
-              <a:t>10/19/2023</a:t>
+              <a:t>5/2/2024</a:t>
             </a:fld>
             <a:endParaRPr lang="en-US" dirty="0"/>
           </a:p>
@@ -8617,7 +8294,7 @@
           <a:p>
             <a:fld id="{3F9A13D6-B8C2-463B-B3F7-C62E098B328E}" type="datetime1">
               <a:rPr lang="en-US" smtClean="0"/>
-              <a:t>10/19/2023</a:t>
+              <a:t>5/2/2024</a:t>
             </a:fld>
             <a:endParaRPr lang="en-US" dirty="0"/>
           </a:p>
@@ -8852,7 +8529,7 @@
           <a:p>
             <a:fld id="{D2B63420-31EE-4E4B-911C-2601B14D9FDD}" type="datetime1">
               <a:rPr lang="en-US" smtClean="0"/>
-              <a:t>10/19/2023</a:t>
+              <a:t>5/2/2024</a:t>
             </a:fld>
             <a:endParaRPr lang="en-US" dirty="0"/>
           </a:p>
@@ -9229,7 +8906,7 @@
           <a:p>
             <a:fld id="{2DD8986D-86F8-41E6-8CFF-8C91AEF92622}" type="datetime1">
               <a:rPr lang="en-US" smtClean="0"/>
-              <a:t>10/19/2023</a:t>
+              <a:t>5/2/2024</a:t>
             </a:fld>
             <a:endParaRPr lang="en-US" dirty="0"/>
           </a:p>
@@ -9355,7 +9032,7 @@
           <a:p>
             <a:fld id="{BA885161-032E-4C6A-8EDA-39D168DF18E4}" type="datetime1">
               <a:rPr lang="en-US" smtClean="0"/>
-              <a:t>10/19/2023</a:t>
+              <a:t>5/2/2024</a:t>
             </a:fld>
             <a:endParaRPr lang="en-US" dirty="0"/>
           </a:p>
@@ -9453,7 +9130,7 @@
           <a:p>
             <a:fld id="{958E6740-E523-48D9-9C4E-6F218E87BAF3}" type="datetime1">
               <a:rPr lang="en-US" smtClean="0"/>
-              <a:t>10/19/2023</a:t>
+              <a:t>5/2/2024</a:t>
             </a:fld>
             <a:endParaRPr lang="en-US" dirty="0"/>
           </a:p>
@@ -9711,7 +9388,7 @@
           <a:p>
             <a:fld id="{6121D4CA-FF09-4CB8-8D51-2613D19A0F2E}" type="datetime1">
               <a:rPr lang="en-US" smtClean="0"/>
-              <a:t>10/19/2023</a:t>
+              <a:t>5/2/2024</a:t>
             </a:fld>
             <a:endParaRPr lang="en-US" dirty="0"/>
           </a:p>
@@ -9976,7 +9653,7 @@
           <a:p>
             <a:fld id="{8C4779EA-AEA7-43B3-9B65-A77E9A890421}" type="datetime1">
               <a:rPr lang="en-US" smtClean="0"/>
-              <a:t>10/19/2023</a:t>
+              <a:t>5/2/2024</a:t>
             </a:fld>
             <a:endParaRPr lang="en-US" dirty="0"/>
           </a:p>
@@ -10722,7 +10399,7 @@
           <a:p>
             <a:fld id="{059A67F1-3EA0-4026-BE6A-31EE4E1B1DB5}" type="datetime1">
               <a:rPr lang="en-US" smtClean="0"/>
-              <a:t>10/19/2023</a:t>
+              <a:t>5/2/2024</a:t>
             </a:fld>
             <a:endParaRPr lang="en-US" dirty="0"/>
           </a:p>
@@ -11319,7 +10996,7 @@
           <a:p>
             <a:fld id="{0F09E55C-CECE-4F47-839C-0667B2307420}" type="datetime1">
               <a:rPr lang="en-US" smtClean="0"/>
-              <a:t>10/19/2023</a:t>
+              <a:t>5/2/2024</a:t>
             </a:fld>
             <a:endParaRPr lang="en-US" dirty="0"/>
           </a:p>
@@ -11644,7 +11321,7 @@
           <a:p>
             <a:fld id="{F8F3720D-B69F-4A94-83B7-6D73A5F7EAD8}" type="datetime1">
               <a:rPr lang="en-US" smtClean="0"/>
-              <a:t>10/19/2023</a:t>
+              <a:t>5/2/2024</a:t>
             </a:fld>
             <a:endParaRPr lang="en-US" dirty="0"/>
           </a:p>
@@ -11846,7 +11523,7 @@
           <a:p>
             <a:fld id="{A7119916-CD40-456D-ABE3-55F8822671F7}" type="datetime1">
               <a:rPr lang="en-US" smtClean="0"/>
-              <a:t>10/19/2023</a:t>
+              <a:t>5/2/2024</a:t>
             </a:fld>
             <a:endParaRPr lang="en-US" dirty="0"/>
           </a:p>
@@ -12071,7 +11748,7 @@
           <a:p>
             <a:fld id="{0B07C6D0-642C-4A40-B0F1-13ED56048173}" type="datetime1">
               <a:rPr lang="en-US" smtClean="0"/>
-              <a:t>10/19/2023</a:t>
+              <a:t>5/2/2024</a:t>
             </a:fld>
             <a:endParaRPr lang="en-US" dirty="0"/>
           </a:p>
@@ -12292,7 +11969,7 @@
           <a:p>
             <a:fld id="{0B07C6D0-642C-4A40-B0F1-13ED56048173}" type="datetime1">
               <a:rPr lang="en-US" smtClean="0"/>
-              <a:t>10/19/2023</a:t>
+              <a:t>5/2/2024</a:t>
             </a:fld>
             <a:endParaRPr lang="en-US" dirty="0"/>
           </a:p>
@@ -12496,7 +12173,7 @@
           <a:p>
             <a:fld id="{A7119916-CD40-456D-ABE3-55F8822671F7}" type="datetime1">
               <a:rPr lang="en-US" smtClean="0"/>
-              <a:t>10/19/2023</a:t>
+              <a:t>5/2/2024</a:t>
             </a:fld>
             <a:endParaRPr lang="en-US" dirty="0"/>
           </a:p>
@@ -12706,7 +12383,7 @@
           <a:p>
             <a:fld id="{0B07C6D0-642C-4A40-B0F1-13ED56048173}" type="datetime1">
               <a:rPr lang="en-US" smtClean="0"/>
-              <a:t>10/19/2023</a:t>
+              <a:t>5/2/2024</a:t>
             </a:fld>
             <a:endParaRPr lang="en-US" dirty="0"/>
           </a:p>
@@ -12882,7 +12559,7 @@
           <a:p>
             <a:fld id="{A7119916-CD40-456D-ABE3-55F8822671F7}" type="datetime1">
               <a:rPr lang="en-US" smtClean="0"/>
-              <a:t>10/19/2023</a:t>
+              <a:t>5/2/2024</a:t>
             </a:fld>
             <a:endParaRPr lang="en-US" dirty="0"/>
           </a:p>
@@ -13124,7 +12801,7 @@
           <a:p>
             <a:fld id="{A7119916-CD40-456D-ABE3-55F8822671F7}" type="datetime1">
               <a:rPr lang="en-US" smtClean="0"/>
-              <a:t>10/19/2023</a:t>
+              <a:t>5/2/2024</a:t>
             </a:fld>
             <a:endParaRPr lang="en-US" dirty="0"/>
           </a:p>
@@ -13424,7 +13101,7 @@
           <a:p>
             <a:fld id="{A7119916-CD40-456D-ABE3-55F8822671F7}" type="datetime1">
               <a:rPr lang="en-US" smtClean="0"/>
-              <a:t>10/19/2023</a:t>
+              <a:t>5/2/2024</a:t>
             </a:fld>
             <a:endParaRPr lang="en-US" dirty="0"/>
           </a:p>
@@ -13697,7 +13374,7 @@
           <a:p>
             <a:fld id="{A7119916-CD40-456D-ABE3-55F8822671F7}" type="datetime1">
               <a:rPr lang="en-US" smtClean="0"/>
-              <a:t>10/19/2023</a:t>
+              <a:t>5/2/2024</a:t>
             </a:fld>
             <a:endParaRPr lang="en-US" dirty="0"/>
           </a:p>
@@ -13923,7 +13600,7 @@
           <a:p>
             <a:fld id="{17F33E47-61B9-4B4D-8325-8788C9EC3005}" type="datetime1">
               <a:rPr lang="en-US" smtClean="0"/>
-              <a:t>10/19/2023</a:t>
+              <a:t>5/2/2024</a:t>
             </a:fld>
             <a:endParaRPr lang="en-US" dirty="0"/>
           </a:p>
@@ -14174,7 +13851,7 @@
           <a:p>
             <a:fld id="{A7119916-CD40-456D-ABE3-55F8822671F7}" type="datetime1">
               <a:rPr lang="en-US" smtClean="0"/>
-              <a:t>10/19/2023</a:t>
+              <a:t>5/2/2024</a:t>
             </a:fld>
             <a:endParaRPr lang="en-US" dirty="0"/>
           </a:p>
@@ -14468,7 +14145,7 @@
           <a:p>
             <a:fld id="{A7119916-CD40-456D-ABE3-55F8822671F7}" type="datetime1">
               <a:rPr lang="en-US" smtClean="0"/>
-              <a:t>10/19/2023</a:t>
+              <a:t>5/2/2024</a:t>
             </a:fld>
             <a:endParaRPr lang="en-US" dirty="0"/>
           </a:p>
@@ -14726,7 +14403,7 @@
           <a:p>
             <a:fld id="{A7119916-CD40-456D-ABE3-55F8822671F7}" type="datetime1">
               <a:rPr lang="en-US" smtClean="0"/>
-              <a:t>10/19/2023</a:t>
+              <a:t>5/2/2024</a:t>
             </a:fld>
             <a:endParaRPr lang="en-US" dirty="0"/>
           </a:p>
@@ -15046,7 +14723,7 @@
           <a:p>
             <a:fld id="{A7119916-CD40-456D-ABE3-55F8822671F7}" type="datetime1">
               <a:rPr lang="en-US" smtClean="0"/>
-              <a:t>10/19/2023</a:t>
+              <a:t>5/2/2024</a:t>
             </a:fld>
             <a:endParaRPr lang="en-US" dirty="0"/>
           </a:p>
@@ -15315,7 +14992,7 @@
           <a:p>
             <a:fld id="{A7119916-CD40-456D-ABE3-55F8822671F7}" type="datetime1">
               <a:rPr lang="en-US" smtClean="0"/>
-              <a:t>10/19/2023</a:t>
+              <a:t>5/2/2024</a:t>
             </a:fld>
             <a:endParaRPr lang="en-US" dirty="0"/>
           </a:p>
@@ -15573,7 +15250,7 @@
           <a:p>
             <a:fld id="{A7119916-CD40-456D-ABE3-55F8822671F7}" type="datetime1">
               <a:rPr lang="en-US" smtClean="0"/>
-              <a:t>10/19/2023</a:t>
+              <a:t>5/2/2024</a:t>
             </a:fld>
             <a:endParaRPr lang="en-US" dirty="0"/>
           </a:p>
@@ -15729,7 +15406,7 @@
                   <a:schemeClr val="accent3"/>
                 </a:solidFill>
               </a:rPr>
-              <a:t>If</a:t>
+              <a:t>if</a:t>
             </a:r>
           </a:p>
           <a:p>
@@ -15822,7 +15499,7 @@
           <a:p>
             <a:fld id="{A7119916-CD40-456D-ABE3-55F8822671F7}" type="datetime1">
               <a:rPr lang="en-US" smtClean="0"/>
-              <a:t>10/19/2023</a:t>
+              <a:t>5/2/2024</a:t>
             </a:fld>
             <a:endParaRPr lang="en-US" dirty="0"/>
           </a:p>
@@ -16171,7 +15848,7 @@
           <a:p>
             <a:fld id="{0B07C6D0-642C-4A40-B0F1-13ED56048173}" type="datetime1">
               <a:rPr lang="en-US" smtClean="0"/>
-              <a:t>10/19/2023</a:t>
+              <a:t>5/2/2024</a:t>
             </a:fld>
             <a:endParaRPr lang="en-US" dirty="0"/>
           </a:p>
@@ -16525,7 +16202,7 @@
           <a:p>
             <a:fld id="{0B07C6D0-642C-4A40-B0F1-13ED56048173}" type="datetime1">
               <a:rPr lang="en-US" smtClean="0"/>
-              <a:t>10/19/2023</a:t>
+              <a:t>5/2/2024</a:t>
             </a:fld>
             <a:endParaRPr lang="en-US" dirty="0"/>
           </a:p>
@@ -16714,7 +16391,7 @@
           <a:p>
             <a:fld id="{A7119916-CD40-456D-ABE3-55F8822671F7}" type="datetime1">
               <a:rPr lang="en-US" smtClean="0"/>
-              <a:t>10/19/2023</a:t>
+              <a:t>5/2/2024</a:t>
             </a:fld>
             <a:endParaRPr lang="en-US" dirty="0"/>
           </a:p>
@@ -16880,7 +16557,7 @@
           <a:p>
             <a:r>
               <a:rPr lang="en-US" sz="3600" dirty="0"/>
-              <a:t>NEW Areas - Games for young 3-8 years</a:t>
+              <a:t>NEW Areas – Help for the Blind</a:t>
             </a:r>
           </a:p>
         </p:txBody>
@@ -16908,7 +16585,7 @@
           <a:p>
             <a:fld id="{B428F5A7-20F3-4981-866F-DD0AA3B623E8}" type="datetime1">
               <a:rPr lang="en-US" smtClean="0"/>
-              <a:t>10/19/2023</a:t>
+              <a:t>5/2/2024</a:t>
             </a:fld>
             <a:endParaRPr lang="en-US" dirty="0"/>
           </a:p>
@@ -17208,7 +16885,7 @@
                 <a:tabLst/>
                 <a:defRPr/>
               </a:pPr>
-              <a:t>10/19/2023</a:t>
+              <a:t>5/2/2024</a:t>
             </a:fld>
             <a:endParaRPr kumimoji="0" lang="en-US" sz="900" b="0" i="0" u="none" strike="noStrike" kern="1200" cap="none" spc="0" normalizeH="0" baseline="0" noProof="0" dirty="0">
               <a:ln>
@@ -17570,7 +17247,7 @@
                 <a:tabLst/>
                 <a:defRPr/>
               </a:pPr>
-              <a:t>10/19/2023</a:t>
+              <a:t>5/2/2024</a:t>
             </a:fld>
             <a:endParaRPr kumimoji="0" lang="en-US" sz="900" b="0" i="0" u="none" strike="noStrike" kern="1200" cap="none" spc="0" normalizeH="0" baseline="0" noProof="0" dirty="0">
               <a:ln>
@@ -17939,7 +17616,7 @@
                 <a:tabLst/>
                 <a:defRPr/>
               </a:pPr>
-              <a:t>10/19/2023</a:t>
+              <a:t>5/2/2024</a:t>
             </a:fld>
             <a:endParaRPr kumimoji="0" lang="en-US" sz="900" b="0" i="0" u="none" strike="noStrike" kern="1200" cap="none" spc="0" normalizeH="0" baseline="0" noProof="0" dirty="0">
               <a:ln>
@@ -18444,7 +18121,7 @@
                 <a:tabLst/>
                 <a:defRPr/>
               </a:pPr>
-              <a:t>10/19/2023</a:t>
+              <a:t>5/2/2024</a:t>
             </a:fld>
             <a:endParaRPr kumimoji="0" lang="en-US" sz="900" b="0" i="0" u="none" strike="noStrike" kern="1200" cap="none" spc="0" normalizeH="0" baseline="0" noProof="0" dirty="0">
               <a:ln>
@@ -18762,7 +18439,7 @@
           <a:p>
             <a:fld id="{A7119916-CD40-456D-ABE3-55F8822671F7}" type="datetime1">
               <a:rPr lang="en-US" smtClean="0"/>
-              <a:t>10/19/2023</a:t>
+              <a:t>5/2/2024</a:t>
             </a:fld>
             <a:endParaRPr lang="en-US" dirty="0"/>
           </a:p>
@@ -18872,7 +18549,12 @@
             <p:ph type="title"/>
           </p:nvPr>
         </p:nvSpPr>
-        <p:spPr/>
+        <p:spPr>
+          <a:xfrm>
+            <a:off x="677334" y="609600"/>
+            <a:ext cx="8596668" cy="917542"/>
+          </a:xfrm>
+        </p:spPr>
         <p:txBody>
           <a:bodyPr>
             <a:normAutofit/>
@@ -18881,7 +18563,7 @@
           <a:p>
             <a:r>
               <a:rPr lang="en-US" dirty="0"/>
-              <a:t>Classes – Programmer Defined Objects</a:t>
+              <a:t>Objects – Grouping behavior</a:t>
             </a:r>
             <a:endParaRPr lang="en-US" sz="2800" dirty="0"/>
           </a:p>
@@ -18911,51 +18593,32 @@
         </p:spPr>
         <p:txBody>
           <a:bodyPr>
-            <a:normAutofit fontScale="92500" lnSpcReduction="20000"/>
+            <a:normAutofit/>
           </a:bodyPr>
           <a:lstStyle/>
           <a:p>
             <a:r>
               <a:rPr lang="en-US" sz="3600" dirty="0"/>
-              <a:t>Complex data types</a:t>
+              <a:t>Functions for procedures</a:t>
+            </a:r>
+          </a:p>
+          <a:p>
+            <a:r>
+              <a:rPr lang="en-US" sz="3600" dirty="0"/>
+              <a:t>Objects for procedures + data</a:t>
+            </a:r>
+          </a:p>
+          <a:p>
+            <a:r>
+              <a:rPr lang="en-US" sz="3600" dirty="0"/>
+              <a:t>Model world – we think of objects</a:t>
             </a:r>
           </a:p>
           <a:p>
             <a:pPr lvl="1"/>
             <a:r>
-              <a:rPr lang="en-US" sz="3400" dirty="0"/>
-              <a:t>Person: name, home_address, work_address</a:t>
-            </a:r>
-          </a:p>
-          <a:p>
-            <a:pPr lvl="1"/>
-            <a:r>
-              <a:rPr lang="en-US" sz="3400" dirty="0"/>
-              <a:t>Address: number, street, state</a:t>
-            </a:r>
-          </a:p>
-          <a:p>
-            <a:pPr lvl="1"/>
-            <a:endParaRPr lang="en-US" sz="3400" dirty="0"/>
-          </a:p>
-          <a:p>
-            <a:r>
-              <a:rPr lang="en-US" sz="3800" dirty="0"/>
-              <a:t>Complex Activity /Organization</a:t>
-            </a:r>
-          </a:p>
-          <a:p>
-            <a:pPr lvl="1"/>
-            <a:r>
-              <a:rPr lang="en-US" sz="3600" dirty="0"/>
-              <a:t>Airport: name, address, runways</a:t>
-            </a:r>
-          </a:p>
-          <a:p>
-            <a:pPr lvl="1"/>
-            <a:r>
-              <a:rPr lang="en-US" sz="3600" dirty="0"/>
-              <a:t>Runway: length, width, location, direction</a:t>
+              <a:rPr lang="en-US" sz="3200" dirty="0"/>
+              <a:t>Not as much of their parts</a:t>
             </a:r>
           </a:p>
         </p:txBody>
@@ -19032,7 +18695,7 @@
                 <a:tabLst/>
                 <a:defRPr/>
               </a:pPr>
-              <a:t>10/19/2023</a:t>
+              <a:t>5/3/2024</a:t>
             </a:fld>
             <a:endParaRPr kumimoji="0" lang="en-US" sz="900" b="0" i="0" u="none" strike="noStrike" kern="1200" cap="none" spc="0" normalizeH="0" baseline="0" noProof="0" dirty="0">
               <a:ln>
@@ -19205,7 +18868,7 @@
     </p:spTree>
     <p:extLst>
       <p:ext uri="{BB962C8B-B14F-4D97-AF65-F5344CB8AC3E}">
-        <p14:creationId xmlns:p14="http://schemas.microsoft.com/office/powerpoint/2010/main" val="4129849682"/>
+        <p14:creationId xmlns:p14="http://schemas.microsoft.com/office/powerpoint/2010/main" val="2180453747"/>
       </p:ext>
     </p:extLst>
   </p:cSld>
@@ -19257,7 +18920,7 @@
           <a:p>
             <a:r>
               <a:rPr lang="en-US" dirty="0"/>
-              <a:t>Classes – Structure – Object Oriented</a:t>
+              <a:t>Objects – Model World</a:t>
             </a:r>
             <a:endParaRPr lang="en-US" sz="2800" dirty="0"/>
           </a:p>
@@ -19287,45 +18950,51 @@
         </p:spPr>
         <p:txBody>
           <a:bodyPr>
-            <a:normAutofit/>
+            <a:normAutofit fontScale="92500" lnSpcReduction="20000"/>
           </a:bodyPr>
           <a:lstStyle/>
           <a:p>
             <a:r>
               <a:rPr lang="en-US" sz="3600" dirty="0"/>
-              <a:t>Function: group actions performed as a unit</a:t>
-            </a:r>
-          </a:p>
-          <a:p>
+              <a:t>Complex data types</a:t>
+            </a:r>
+          </a:p>
+          <a:p>
+            <a:pPr lvl="1"/>
+            <a:r>
+              <a:rPr lang="en-US" sz="3400" dirty="0"/>
+              <a:t>Person: name, home_address, work_address</a:t>
+            </a:r>
+          </a:p>
+          <a:p>
+            <a:pPr lvl="1"/>
+            <a:r>
+              <a:rPr lang="en-US" sz="3400" dirty="0"/>
+              <a:t>Address: number, street, state</a:t>
+            </a:r>
+          </a:p>
+          <a:p>
+            <a:pPr lvl="1"/>
+            <a:endParaRPr lang="en-US" sz="3400" dirty="0"/>
+          </a:p>
+          <a:p>
+            <a:r>
+              <a:rPr lang="en-US" sz="3800" dirty="0"/>
+              <a:t>Complex Activity /Organization</a:t>
+            </a:r>
+          </a:p>
+          <a:p>
+            <a:pPr lvl="1"/>
             <a:r>
               <a:rPr lang="en-US" sz="3600" dirty="0"/>
-              <a:t>Class: group </a:t>
-            </a:r>
-            <a:r>
-              <a:rPr lang="en-US" sz="3600" b="1" dirty="0"/>
-              <a:t>function </a:t>
-            </a:r>
+              <a:t>Airport: name, address, runways</a:t>
+            </a:r>
+          </a:p>
+          <a:p>
+            <a:pPr lvl="1"/>
             <a:r>
               <a:rPr lang="en-US" sz="3600" dirty="0"/>
-              <a:t>plus </a:t>
-            </a:r>
-            <a:r>
-              <a:rPr lang="en-US" sz="3600" b="1" dirty="0"/>
-              <a:t>data</a:t>
-            </a:r>
-          </a:p>
-          <a:p>
-            <a:pPr lvl="1"/>
-            <a:r>
-              <a:rPr lang="en-US" sz="3400" dirty="0"/>
-              <a:t>Data – object's state</a:t>
-            </a:r>
-          </a:p>
-          <a:p>
-            <a:pPr lvl="1"/>
-            <a:r>
-              <a:rPr lang="en-US" sz="3400" dirty="0"/>
-              <a:t>Function – object's actions</a:t>
+              <a:t>Runway: length, width, location, direction</a:t>
             </a:r>
           </a:p>
         </p:txBody>
@@ -19402,7 +19071,7 @@
                 <a:tabLst/>
                 <a:defRPr/>
               </a:pPr>
-              <a:t>10/19/2023</a:t>
+              <a:t>5/2/2024</a:t>
             </a:fld>
             <a:endParaRPr kumimoji="0" lang="en-US" sz="900" b="0" i="0" u="none" strike="noStrike" kern="1200" cap="none" spc="0" normalizeH="0" baseline="0" noProof="0" dirty="0">
               <a:ln>
@@ -19575,7 +19244,7 @@
     </p:spTree>
     <p:extLst>
       <p:ext uri="{BB962C8B-B14F-4D97-AF65-F5344CB8AC3E}">
-        <p14:creationId xmlns:p14="http://schemas.microsoft.com/office/powerpoint/2010/main" val="2678743778"/>
+        <p14:creationId xmlns:p14="http://schemas.microsoft.com/office/powerpoint/2010/main" val="4129849682"/>
       </p:ext>
     </p:extLst>
   </p:cSld>
@@ -19618,12 +19287,7 @@
             <p:ph type="title"/>
           </p:nvPr>
         </p:nvSpPr>
-        <p:spPr>
-          <a:xfrm>
-            <a:off x="677334" y="609600"/>
-            <a:ext cx="8596668" cy="843815"/>
-          </a:xfrm>
-        </p:spPr>
+        <p:spPr/>
         <p:txBody>
           <a:bodyPr>
             <a:normAutofit/>
@@ -19632,7 +19296,7 @@
           <a:p>
             <a:r>
               <a:rPr lang="en-US" dirty="0"/>
-              <a:t>Classes – definition</a:t>
+              <a:t>Classes – Define Object's Structure</a:t>
             </a:r>
             <a:endParaRPr lang="en-US" sz="2800" dirty="0"/>
           </a:p>
@@ -19656,114 +19320,32 @@
         </p:nvSpPr>
         <p:spPr>
           <a:xfrm>
-            <a:off x="677333" y="1453415"/>
-            <a:ext cx="9815965" cy="4587947"/>
+            <a:off x="677333" y="2160589"/>
+            <a:ext cx="9815965" cy="3880773"/>
           </a:xfrm>
         </p:spPr>
         <p:txBody>
           <a:bodyPr>
-            <a:normAutofit lnSpcReduction="10000"/>
+            <a:normAutofit/>
           </a:bodyPr>
           <a:lstStyle/>
           <a:p>
             <a:r>
-              <a:rPr lang="en-US" sz="3600" dirty="0"/>
-              <a:t>Definition - member functions:</a:t>
-            </a:r>
-          </a:p>
-          <a:p>
-            <a:pPr lvl="1"/>
-            <a:r>
               <a:rPr lang="en-US" sz="3400" dirty="0"/>
-              <a:t>Predefined functions</a:t>
-            </a:r>
-          </a:p>
-          <a:p>
-            <a:pPr lvl="2"/>
-            <a:r>
-              <a:rPr lang="en-US" sz="3200" dirty="0">
-                <a:solidFill>
-                  <a:schemeClr val="accent4"/>
-                </a:solidFill>
-              </a:rPr>
-              <a:t>def</a:t>
-            </a:r>
-            <a:r>
-              <a:rPr lang="en-US" sz="3200" dirty="0"/>
-              <a:t> </a:t>
-            </a:r>
-            <a:r>
-              <a:rPr lang="en-US" sz="3200" b="1" dirty="0"/>
-              <a:t>__init__</a:t>
-            </a:r>
-            <a:r>
-              <a:rPr lang="en-US" sz="3200" dirty="0"/>
-              <a:t>(self,…): - initialize data</a:t>
-            </a:r>
-          </a:p>
-          <a:p>
-            <a:pPr lvl="2"/>
-            <a:r>
-              <a:rPr lang="en-US" sz="3200" dirty="0">
-                <a:solidFill>
-                  <a:schemeClr val="accent4"/>
-                </a:solidFill>
-              </a:rPr>
-              <a:t>def</a:t>
-            </a:r>
-            <a:r>
-              <a:rPr lang="en-US" sz="3200" dirty="0"/>
-              <a:t> </a:t>
-            </a:r>
-            <a:r>
-              <a:rPr lang="en-US" sz="3200" b="1" dirty="0"/>
-              <a:t>__str__</a:t>
-            </a:r>
-            <a:r>
-              <a:rPr lang="en-US" sz="3200" dirty="0"/>
-              <a:t>(self,…): - used show as string</a:t>
-            </a:r>
-          </a:p>
-          <a:p>
-            <a:pPr lvl="2"/>
-            <a:endParaRPr lang="en-US" sz="3200" dirty="0"/>
-          </a:p>
-          <a:p>
-            <a:pPr lvl="1"/>
+              <a:t>Functions – procedures / actions</a:t>
+            </a:r>
+          </a:p>
+          <a:p>
             <a:r>
               <a:rPr lang="en-US" sz="3400" dirty="0"/>
-              <a:t>User defined functions</a:t>
-            </a:r>
-          </a:p>
-          <a:p>
-            <a:pPr lvl="2"/>
-            <a:r>
-              <a:rPr lang="en-US" sz="3200" dirty="0"/>
-              <a:t> </a:t>
-            </a:r>
-            <a:r>
-              <a:rPr lang="en-US" sz="3200" dirty="0">
-                <a:solidFill>
-                  <a:schemeClr val="accent4"/>
-                </a:solidFill>
-              </a:rPr>
-              <a:t>def</a:t>
-            </a:r>
-            <a:r>
-              <a:rPr lang="en-US" sz="3200" dirty="0"/>
-              <a:t> my_</a:t>
-            </a:r>
-            <a:r>
-              <a:rPr lang="en-US" sz="3200" i="1" dirty="0"/>
-              <a:t>names</a:t>
-            </a:r>
-            <a:r>
-              <a:rPr lang="en-US" sz="3200" dirty="0"/>
-              <a:t>(self,…): –do my object's actions</a:t>
-            </a:r>
-          </a:p>
-          <a:p>
-            <a:endParaRPr lang="en-US" sz="3600" dirty="0"/>
+              <a:t>Data – state</a:t>
+            </a:r>
+          </a:p>
+          <a:p>
+            <a:r>
+              <a:rPr lang="en-US" sz="3400" dirty="0"/>
+              <a:t>Syntax for specifying</a:t>
+            </a:r>
           </a:p>
         </p:txBody>
       </p:sp>
@@ -19839,7 +19421,7 @@
                 <a:tabLst/>
                 <a:defRPr/>
               </a:pPr>
-              <a:t>10/19/2023</a:t>
+              <a:t>5/2/2024</a:t>
             </a:fld>
             <a:endParaRPr kumimoji="0" lang="en-US" sz="900" b="0" i="0" u="none" strike="noStrike" kern="1200" cap="none" spc="0" normalizeH="0" baseline="0" noProof="0" dirty="0">
               <a:ln>
@@ -20012,7 +19594,7 @@
     </p:spTree>
     <p:extLst>
       <p:ext uri="{BB962C8B-B14F-4D97-AF65-F5344CB8AC3E}">
-        <p14:creationId xmlns:p14="http://schemas.microsoft.com/office/powerpoint/2010/main" val="1898181837"/>
+        <p14:creationId xmlns:p14="http://schemas.microsoft.com/office/powerpoint/2010/main" val="2678743778"/>
       </p:ext>
     </p:extLst>
   </p:cSld>
@@ -20044,7 +19626,7 @@
           <p:cNvPr id="2" name="Title 1">
             <a:extLst>
               <a:ext uri="{FF2B5EF4-FFF2-40B4-BE49-F238E27FC236}">
-                <a16:creationId xmlns:a16="http://schemas.microsoft.com/office/drawing/2014/main" id="{00C99C45-A655-40FD-BF53-F03EF1F5E416}"/>
+                <a16:creationId xmlns:a16="http://schemas.microsoft.com/office/drawing/2014/main" id="{7366034B-0D0F-4B2F-A893-737971D5215C}"/>
               </a:ext>
             </a:extLst>
           </p:cNvPr>
@@ -20055,12 +19637,51 @@
             <p:ph type="title"/>
           </p:nvPr>
         </p:nvSpPr>
-        <p:spPr>
-          <a:xfrm>
-            <a:off x="677334" y="609600"/>
-            <a:ext cx="8596668" cy="843815"/>
-          </a:xfrm>
-        </p:spPr>
+        <p:spPr/>
+        <p:txBody>
+          <a:bodyPr/>
+          <a:lstStyle/>
+          <a:p>
+            <a:r>
+              <a:rPr lang="en-US" dirty="0"/>
+              <a:t>Overview </a:t>
+            </a:r>
+            <a:r>
+              <a:rPr lang="en-US" sz="2400" dirty="0"/>
+              <a:t>of Overview </a:t>
+            </a:r>
+            <a:r>
+              <a:rPr lang="en-US" sz="1600" dirty="0"/>
+              <a:t>of Overview</a:t>
+            </a:r>
+            <a:r>
+              <a:rPr lang="en-US" dirty="0"/>
+              <a:t>…</a:t>
+            </a:r>
+            <a:br>
+              <a:rPr lang="en-US" dirty="0"/>
+            </a:br>
+            <a:endParaRPr lang="en-US" dirty="0"/>
+          </a:p>
+        </p:txBody>
+      </p:sp>
+      <p:sp>
+        <p:nvSpPr>
+          <p:cNvPr id="3" name="Content Placeholder 2">
+            <a:extLst>
+              <a:ext uri="{FF2B5EF4-FFF2-40B4-BE49-F238E27FC236}">
+                <a16:creationId xmlns:a16="http://schemas.microsoft.com/office/drawing/2014/main" id="{F9DEB2F2-7F74-4A57-9659-272F2D4E32AD}"/>
+              </a:ext>
+            </a:extLst>
+          </p:cNvPr>
+          <p:cNvSpPr>
+            <a:spLocks noGrp="1"/>
+          </p:cNvSpPr>
+          <p:nvPr>
+            <p:ph idx="1"/>
+          </p:nvPr>
+        </p:nvSpPr>
+        <p:spPr/>
         <p:txBody>
           <a:bodyPr>
             <a:normAutofit/>
@@ -20068,19 +19689,45 @@
           <a:lstStyle/>
           <a:p>
             <a:r>
-              <a:rPr lang="en-US" dirty="0"/>
-              <a:t>Classes – definition - continued</a:t>
-            </a:r>
-            <a:endParaRPr lang="en-US" sz="2800" dirty="0"/>
-          </a:p>
-        </p:txBody>
-      </p:sp>
-      <p:sp>
-        <p:nvSpPr>
-          <p:cNvPr id="3" name="Content Placeholder 2">
+              <a:rPr lang="en-US" sz="3600" dirty="0"/>
+              <a:t>Program - a story</a:t>
+            </a:r>
+          </a:p>
+          <a:p>
+            <a:r>
+              <a:rPr lang="en-US" sz="3600" dirty="0"/>
+              <a:t>Language – story telling tools / rules</a:t>
+            </a:r>
+          </a:p>
+          <a:p>
+            <a:r>
+              <a:rPr lang="en-US" sz="3600" dirty="0"/>
+              <a:t>Don't need all tools</a:t>
+            </a:r>
+          </a:p>
+          <a:p>
+            <a:endParaRPr lang="en-US" sz="3600" dirty="0"/>
+          </a:p>
+          <a:p>
+            <a:r>
+              <a:rPr lang="en-US" sz="3600" dirty="0"/>
+              <a:t>Python is an example</a:t>
+            </a:r>
+          </a:p>
+          <a:p>
+            <a:endParaRPr lang="en-US" sz="3600" dirty="0"/>
+          </a:p>
+          <a:p>
+            <a:endParaRPr lang="en-US" sz="3600" dirty="0"/>
+          </a:p>
+        </p:txBody>
+      </p:sp>
+      <p:sp>
+        <p:nvSpPr>
+          <p:cNvPr id="4" name="Date Placeholder 3">
             <a:extLst>
               <a:ext uri="{FF2B5EF4-FFF2-40B4-BE49-F238E27FC236}">
-                <a16:creationId xmlns:a16="http://schemas.microsoft.com/office/drawing/2014/main" id="{AAE989A4-422F-4666-8E03-249076443C19}"/>
+                <a16:creationId xmlns:a16="http://schemas.microsoft.com/office/drawing/2014/main" id="{90C25163-A307-467B-8281-481AD00A4E10}"/>
               </a:ext>
             </a:extLst>
           </p:cNvPr>
@@ -20088,77 +19735,28 @@
             <a:spLocks noGrp="1"/>
           </p:cNvSpPr>
           <p:nvPr>
-            <p:ph idx="1"/>
-          </p:nvPr>
-        </p:nvSpPr>
-        <p:spPr>
-          <a:xfrm>
-            <a:off x="677333" y="1453415"/>
-            <a:ext cx="9815965" cy="4587947"/>
-          </a:xfrm>
-        </p:spPr>
-        <p:txBody>
-          <a:bodyPr>
-            <a:normAutofit/>
-          </a:bodyPr>
-          <a:lstStyle/>
-          <a:p>
-            <a:r>
-              <a:rPr lang="en-US" sz="3600" dirty="0"/>
-              <a:t>__init__, __str__, __...</a:t>
-            </a:r>
-          </a:p>
-          <a:p>
-            <a:pPr lvl="1"/>
-            <a:r>
-              <a:rPr lang="en-US" sz="3400" dirty="0"/>
-              <a:t> - You write them, Python calls them</a:t>
-            </a:r>
-          </a:p>
-          <a:p>
-            <a:pPr marL="457200" lvl="1" indent="0">
-              <a:buNone/>
-            </a:pPr>
-            <a:endParaRPr lang="en-US" sz="3400" dirty="0"/>
-          </a:p>
-          <a:p>
-            <a:pPr lvl="1"/>
-            <a:r>
-              <a:rPr lang="en-US" sz="3400" dirty="0"/>
-              <a:t>__init__ - called when </a:t>
-            </a:r>
-            <a:r>
-              <a:rPr lang="en-US" sz="3400" i="1" dirty="0"/>
-              <a:t>ClassName</a:t>
-            </a:r>
-            <a:r>
-              <a:rPr lang="en-US" sz="3400" dirty="0"/>
-              <a:t>(…) to setup object</a:t>
-            </a:r>
-          </a:p>
-          <a:p>
-            <a:pPr lvl="1"/>
-            <a:r>
-              <a:rPr lang="en-US" sz="3400" dirty="0"/>
-              <a:t>__str__ - called when object used as a string .e.g., print(</a:t>
-            </a:r>
-            <a:r>
-              <a:rPr lang="en-US" sz="3400" i="1" dirty="0"/>
-              <a:t>your_obj</a:t>
-            </a:r>
-            <a:r>
-              <a:rPr lang="en-US" sz="3400" dirty="0"/>
-              <a:t>)</a:t>
-            </a:r>
-          </a:p>
-        </p:txBody>
-      </p:sp>
-      <p:sp>
-        <p:nvSpPr>
-          <p:cNvPr id="4" name="Date Placeholder 3">
+            <p:ph type="dt" sz="half" idx="10"/>
+          </p:nvPr>
+        </p:nvSpPr>
+        <p:spPr/>
+        <p:txBody>
+          <a:bodyPr/>
+          <a:lstStyle/>
+          <a:p>
+            <a:fld id="{A7119916-CD40-456D-ABE3-55F8822671F7}" type="datetime1">
+              <a:rPr lang="en-US" smtClean="0"/>
+              <a:t>5/2/2024</a:t>
+            </a:fld>
+            <a:endParaRPr lang="en-US" dirty="0"/>
+          </a:p>
+        </p:txBody>
+      </p:sp>
+      <p:sp>
+        <p:nvSpPr>
+          <p:cNvPr id="5" name="Footer Placeholder 4">
             <a:extLst>
               <a:ext uri="{FF2B5EF4-FFF2-40B4-BE49-F238E27FC236}">
-                <a16:creationId xmlns:a16="http://schemas.microsoft.com/office/drawing/2014/main" id="{D4B58B9C-2101-47C6-B21D-A9C4C0222113}"/>
+                <a16:creationId xmlns:a16="http://schemas.microsoft.com/office/drawing/2014/main" id="{86A70D75-335C-48DB-8C20-65C961CD627D}"/>
               </a:ext>
             </a:extLst>
           </p:cNvPr>
@@ -20166,92 +19764,28 @@
             <a:spLocks noGrp="1"/>
           </p:cNvSpPr>
           <p:nvPr>
-            <p:ph type="dt" sz="half" idx="10"/>
-          </p:nvPr>
-        </p:nvSpPr>
-        <p:spPr/>
-        <p:txBody>
-          <a:bodyPr/>
-          <a:lstStyle/>
-          <a:p>
-            <a:pPr marL="0" marR="0" lvl="0" indent="0" algn="r" defTabSz="457200" rtl="0" eaLnBrk="1" fontAlgn="auto" latinLnBrk="0" hangingPunct="1">
-              <a:lnSpc>
-                <a:spcPct val="100000"/>
-              </a:lnSpc>
-              <a:spcBef>
-                <a:spcPts val="0"/>
-              </a:spcBef>
-              <a:spcAft>
-                <a:spcPts val="0"/>
-              </a:spcAft>
-              <a:buClrTx/>
-              <a:buSzTx/>
-              <a:buFontTx/>
-              <a:buNone/>
-              <a:tabLst/>
-              <a:defRPr/>
-            </a:pPr>
-            <a:fld id="{A7119916-CD40-456D-ABE3-55F8822671F7}" type="datetime1">
-              <a:rPr kumimoji="0" lang="en-US" sz="900" b="0" i="0" u="none" strike="noStrike" kern="1200" cap="none" spc="0" normalizeH="0" baseline="0" noProof="0" smtClean="0">
-                <a:ln>
-                  <a:noFill/>
-                </a:ln>
-                <a:solidFill>
-                  <a:prstClr val="black">
-                    <a:tint val="75000"/>
-                  </a:prstClr>
-                </a:solidFill>
-                <a:effectLst/>
-                <a:uLnTx/>
-                <a:uFillTx/>
-                <a:latin typeface="Trebuchet MS" panose="020B0603020202020204"/>
-                <a:ea typeface="+mn-ea"/>
-                <a:cs typeface="+mn-cs"/>
-              </a:rPr>
-              <a:pPr marL="0" marR="0" lvl="0" indent="0" algn="r" defTabSz="457200" rtl="0" eaLnBrk="1" fontAlgn="auto" latinLnBrk="0" hangingPunct="1">
-                <a:lnSpc>
-                  <a:spcPct val="100000"/>
-                </a:lnSpc>
-                <a:spcBef>
-                  <a:spcPts val="0"/>
-                </a:spcBef>
-                <a:spcAft>
-                  <a:spcPts val="0"/>
-                </a:spcAft>
-                <a:buClrTx/>
-                <a:buSzTx/>
-                <a:buFontTx/>
-                <a:buNone/>
-                <a:tabLst/>
-                <a:defRPr/>
-              </a:pPr>
-              <a:t>10/19/2023</a:t>
-            </a:fld>
-            <a:endParaRPr kumimoji="0" lang="en-US" sz="900" b="0" i="0" u="none" strike="noStrike" kern="1200" cap="none" spc="0" normalizeH="0" baseline="0" noProof="0" dirty="0">
-              <a:ln>
-                <a:noFill/>
-              </a:ln>
-              <a:solidFill>
-                <a:prstClr val="black">
-                  <a:tint val="75000"/>
-                </a:prstClr>
-              </a:solidFill>
-              <a:effectLst/>
-              <a:uLnTx/>
-              <a:uFillTx/>
-              <a:latin typeface="Trebuchet MS" panose="020B0603020202020204"/>
-              <a:ea typeface="+mn-ea"/>
-              <a:cs typeface="+mn-cs"/>
-            </a:endParaRPr>
-          </a:p>
-        </p:txBody>
-      </p:sp>
-      <p:sp>
-        <p:nvSpPr>
-          <p:cNvPr id="5" name="Footer Placeholder 4">
+            <p:ph type="ftr" sz="quarter" idx="11"/>
+          </p:nvPr>
+        </p:nvSpPr>
+        <p:spPr/>
+        <p:txBody>
+          <a:bodyPr/>
+          <a:lstStyle/>
+          <a:p>
+            <a:r>
+              <a:rPr lang="en-US"/>
+              <a:t>raysmith@alum.mit.edu</a:t>
+            </a:r>
+            <a:endParaRPr lang="en-US" dirty="0"/>
+          </a:p>
+        </p:txBody>
+      </p:sp>
+      <p:sp>
+        <p:nvSpPr>
+          <p:cNvPr id="6" name="Slide Number Placeholder 5">
             <a:extLst>
               <a:ext uri="{FF2B5EF4-FFF2-40B4-BE49-F238E27FC236}">
-                <a16:creationId xmlns:a16="http://schemas.microsoft.com/office/drawing/2014/main" id="{EB3CE92E-DA4C-49CE-8437-22304F783D2B}"/>
+                <a16:creationId xmlns:a16="http://schemas.microsoft.com/office/drawing/2014/main" id="{4653B998-CA35-465C-89E6-E712A72128D3}"/>
               </a:ext>
             </a:extLst>
           </p:cNvPr>
@@ -20259,66 +19793,6 @@
             <a:spLocks noGrp="1"/>
           </p:cNvSpPr>
           <p:nvPr>
-            <p:ph type="ftr" sz="quarter" idx="11"/>
-          </p:nvPr>
-        </p:nvSpPr>
-        <p:spPr/>
-        <p:txBody>
-          <a:bodyPr/>
-          <a:lstStyle/>
-          <a:p>
-            <a:pPr marL="0" marR="0" lvl="0" indent="0" algn="l" defTabSz="457200" rtl="0" eaLnBrk="1" fontAlgn="auto" latinLnBrk="0" hangingPunct="1">
-              <a:lnSpc>
-                <a:spcPct val="100000"/>
-              </a:lnSpc>
-              <a:spcBef>
-                <a:spcPts val="0"/>
-              </a:spcBef>
-              <a:spcAft>
-                <a:spcPts val="0"/>
-              </a:spcAft>
-              <a:buClrTx/>
-              <a:buSzTx/>
-              <a:buFontTx/>
-              <a:buNone/>
-              <a:tabLst/>
-              <a:defRPr/>
-            </a:pPr>
-            <a:r>
-              <a:rPr kumimoji="0" lang="en-US" sz="900" b="0" i="0" u="none" strike="noStrike" kern="1200" cap="none" spc="0" normalizeH="0" baseline="0" noProof="0" dirty="0">
-                <a:ln>
-                  <a:noFill/>
-                </a:ln>
-                <a:solidFill>
-                  <a:prstClr val="black">
-                    <a:tint val="75000"/>
-                  </a:prstClr>
-                </a:solidFill>
-                <a:effectLst/>
-                <a:uLnTx/>
-                <a:uFillTx/>
-                <a:latin typeface="Trebuchet MS" panose="020B0603020202020204"/>
-                <a:ea typeface="+mn-ea"/>
-                <a:cs typeface="+mn-cs"/>
-              </a:rPr>
-              <a:t>raysmith@alum.mit.edu</a:t>
-            </a:r>
-          </a:p>
-        </p:txBody>
-      </p:sp>
-      <p:sp>
-        <p:nvSpPr>
-          <p:cNvPr id="6" name="Slide Number Placeholder 5">
-            <a:extLst>
-              <a:ext uri="{FF2B5EF4-FFF2-40B4-BE49-F238E27FC236}">
-                <a16:creationId xmlns:a16="http://schemas.microsoft.com/office/drawing/2014/main" id="{B555E688-FCD7-4E06-BD33-DA64AB1C3FA4}"/>
-              </a:ext>
-            </a:extLst>
-          </p:cNvPr>
-          <p:cNvSpPr>
-            <a:spLocks noGrp="1"/>
-          </p:cNvSpPr>
-          <p:nvPr>
             <p:ph type="sldNum" sz="quarter" idx="12"/>
           </p:nvPr>
         </p:nvSpPr>
@@ -20327,78 +19801,18 @@
           <a:bodyPr/>
           <a:lstStyle/>
           <a:p>
-            <a:pPr marL="0" marR="0" lvl="0" indent="0" algn="r" defTabSz="457200" rtl="0" eaLnBrk="1" fontAlgn="auto" latinLnBrk="0" hangingPunct="1">
-              <a:lnSpc>
-                <a:spcPct val="100000"/>
-              </a:lnSpc>
-              <a:spcBef>
-                <a:spcPts val="0"/>
-              </a:spcBef>
-              <a:spcAft>
-                <a:spcPts val="0"/>
-              </a:spcAft>
-              <a:buClrTx/>
-              <a:buSzTx/>
-              <a:buFontTx/>
-              <a:buNone/>
-              <a:tabLst/>
-              <a:defRPr/>
-            </a:pPr>
             <a:fld id="{6D22F896-40B5-4ADD-8801-0D06FADFA095}" type="slidenum">
-              <a:rPr kumimoji="0" lang="en-US" sz="900" b="0" i="0" u="none" strike="noStrike" kern="1200" cap="none" spc="0" normalizeH="0" baseline="0" noProof="0" smtClean="0">
-                <a:ln>
-                  <a:noFill/>
-                </a:ln>
-                <a:solidFill>
-                  <a:srgbClr val="90C226"/>
-                </a:solidFill>
-                <a:effectLst/>
-                <a:uLnTx/>
-                <a:uFillTx/>
-                <a:latin typeface="Trebuchet MS" panose="020B0603020202020204"/>
-                <a:ea typeface="+mn-ea"/>
-                <a:cs typeface="+mn-cs"/>
-              </a:rPr>
-              <a:pPr marL="0" marR="0" lvl="0" indent="0" algn="r" defTabSz="457200" rtl="0" eaLnBrk="1" fontAlgn="auto" latinLnBrk="0" hangingPunct="1">
-                <a:lnSpc>
-                  <a:spcPct val="100000"/>
-                </a:lnSpc>
-                <a:spcBef>
-                  <a:spcPts val="0"/>
-                </a:spcBef>
-                <a:spcAft>
-                  <a:spcPts val="0"/>
-                </a:spcAft>
-                <a:buClrTx/>
-                <a:buSzTx/>
-                <a:buFontTx/>
-                <a:buNone/>
-                <a:tabLst/>
-                <a:defRPr/>
-              </a:pPr>
+              <a:rPr lang="en-US" smtClean="0"/>
               <a:t>38</a:t>
             </a:fld>
-            <a:endParaRPr kumimoji="0" lang="en-US" sz="900" b="0" i="0" u="none" strike="noStrike" kern="1200" cap="none" spc="0" normalizeH="0" baseline="0" noProof="0" dirty="0">
-              <a:ln>
-                <a:noFill/>
-              </a:ln>
-              <a:solidFill>
-                <a:srgbClr val="90C226"/>
-              </a:solidFill>
-              <a:effectLst/>
-              <a:uLnTx/>
-              <a:uFillTx/>
-              <a:latin typeface="Trebuchet MS" panose="020B0603020202020204"/>
-              <a:ea typeface="+mn-ea"/>
-              <a:cs typeface="+mn-cs"/>
-            </a:endParaRPr>
+            <a:endParaRPr lang="en-US" dirty="0"/>
           </a:p>
         </p:txBody>
       </p:sp>
     </p:spTree>
     <p:extLst>
       <p:ext uri="{BB962C8B-B14F-4D97-AF65-F5344CB8AC3E}">
-        <p14:creationId xmlns:p14="http://schemas.microsoft.com/office/powerpoint/2010/main" val="1559433135"/>
+        <p14:creationId xmlns:p14="http://schemas.microsoft.com/office/powerpoint/2010/main" val="4068535268"/>
       </p:ext>
     </p:extLst>
   </p:cSld>
@@ -20448,12 +19862,8 @@
           <a:p>
             <a:r>
               <a:rPr lang="en-US" dirty="0"/>
-              <a:t>Class / Object Examples</a:t>
-            </a:r>
-            <a:br>
-              <a:rPr lang="en-US" dirty="0"/>
-            </a:br>
-            <a:endParaRPr lang="en-US" dirty="0"/>
+              <a:t>Tool Summary</a:t>
+            </a:r>
           </a:p>
         </p:txBody>
       </p:sp>
@@ -20482,14 +19892,45 @@
           <a:p>
             <a:r>
               <a:rPr lang="en-US" sz="3600" dirty="0"/>
-              <a:t>rectangle_simp.py – Rectangle (shortened)</a:t>
+              <a:t>Comments #, """ """,</a:t>
             </a:r>
           </a:p>
           <a:p>
             <a:r>
               <a:rPr lang="en-US" sz="3600" dirty="0"/>
-              <a:t>square_simp.py – based on Rectangle</a:t>
-            </a:r>
+              <a:t>Arithmetic / Algebra +,-,*,/,** variables</a:t>
+            </a:r>
+          </a:p>
+          <a:p>
+            <a:r>
+              <a:rPr lang="en-US" sz="3600" dirty="0"/>
+              <a:t>Grouping:</a:t>
+            </a:r>
+          </a:p>
+          <a:p>
+            <a:pPr lvl="1"/>
+            <a:r>
+              <a:rPr lang="en-US" sz="3400" dirty="0"/>
+              <a:t> indentation, (), []</a:t>
+            </a:r>
+          </a:p>
+          <a:p>
+            <a:pPr lvl="1"/>
+            <a:r>
+              <a:rPr lang="en-US" sz="3400" dirty="0"/>
+              <a:t>f</a:t>
+            </a:r>
+            <a:r>
+              <a:rPr lang="en-US" sz="3400"/>
+              <a:t>unctions</a:t>
+            </a:r>
+            <a:r>
+              <a:rPr lang="en-US" sz="3400" dirty="0"/>
+              <a:t>, classes</a:t>
+            </a:r>
+          </a:p>
+          <a:p>
+            <a:endParaRPr lang="en-US" sz="3600" dirty="0"/>
           </a:p>
         </p:txBody>
       </p:sp>
@@ -20516,7 +19957,7 @@
           <a:p>
             <a:fld id="{A7119916-CD40-456D-ABE3-55F8822671F7}" type="datetime1">
               <a:rPr lang="en-US" smtClean="0"/>
-              <a:t>10/19/2023</a:t>
+              <a:t>5/2/2024</a:t>
             </a:fld>
             <a:endParaRPr lang="en-US" dirty="0"/>
           </a:p>
@@ -20583,7 +20024,7 @@
     </p:spTree>
     <p:extLst>
       <p:ext uri="{BB962C8B-B14F-4D97-AF65-F5344CB8AC3E}">
-        <p14:creationId xmlns:p14="http://schemas.microsoft.com/office/powerpoint/2010/main" val="1488722680"/>
+        <p14:creationId xmlns:p14="http://schemas.microsoft.com/office/powerpoint/2010/main" val="1028223383"/>
       </p:ext>
     </p:extLst>
   </p:cSld>
@@ -20739,7 +20180,7 @@
           <a:p>
             <a:fld id="{17F33E47-61B9-4B4D-8325-8788C9EC3005}" type="datetime1">
               <a:rPr lang="en-US" smtClean="0"/>
-              <a:t>10/19/2023</a:t>
+              <a:t>5/2/2024</a:t>
             </a:fld>
             <a:endParaRPr lang="en-US" dirty="0"/>
           </a:p>
@@ -20837,6 +20278,213 @@
           <p:cNvPr id="2" name="Title 1">
             <a:extLst>
               <a:ext uri="{FF2B5EF4-FFF2-40B4-BE49-F238E27FC236}">
+                <a16:creationId xmlns:a16="http://schemas.microsoft.com/office/drawing/2014/main" id="{7366034B-0D0F-4B2F-A893-737971D5215C}"/>
+              </a:ext>
+            </a:extLst>
+          </p:cNvPr>
+          <p:cNvSpPr>
+            <a:spLocks noGrp="1"/>
+          </p:cNvSpPr>
+          <p:nvPr>
+            <p:ph type="title"/>
+          </p:nvPr>
+        </p:nvSpPr>
+        <p:spPr/>
+        <p:txBody>
+          <a:bodyPr/>
+          <a:lstStyle/>
+          <a:p>
+            <a:r>
+              <a:rPr lang="en-US" dirty="0"/>
+              <a:t>Tool Summary  </a:t>
+            </a:r>
+            <a:r>
+              <a:rPr lang="en-US" sz="2400" dirty="0"/>
+              <a:t>continued</a:t>
+            </a:r>
+          </a:p>
+        </p:txBody>
+      </p:sp>
+      <p:sp>
+        <p:nvSpPr>
+          <p:cNvPr id="3" name="Content Placeholder 2">
+            <a:extLst>
+              <a:ext uri="{FF2B5EF4-FFF2-40B4-BE49-F238E27FC236}">
+                <a16:creationId xmlns:a16="http://schemas.microsoft.com/office/drawing/2014/main" id="{F9DEB2F2-7F74-4A57-9659-272F2D4E32AD}"/>
+              </a:ext>
+            </a:extLst>
+          </p:cNvPr>
+          <p:cNvSpPr>
+            <a:spLocks noGrp="1"/>
+          </p:cNvSpPr>
+          <p:nvPr>
+            <p:ph idx="1"/>
+          </p:nvPr>
+        </p:nvSpPr>
+        <p:spPr/>
+        <p:txBody>
+          <a:bodyPr>
+            <a:normAutofit/>
+          </a:bodyPr>
+          <a:lstStyle/>
+          <a:p>
+            <a:r>
+              <a:rPr lang="en-US" sz="3600" dirty="0"/>
+              <a:t>Flow</a:t>
+            </a:r>
+          </a:p>
+          <a:p>
+            <a:pPr lvl="1"/>
+            <a:r>
+              <a:rPr lang="en-US" sz="3400" dirty="0"/>
+              <a:t>Decisions</a:t>
+            </a:r>
+          </a:p>
+          <a:p>
+            <a:pPr lvl="2"/>
+            <a:r>
+              <a:rPr lang="en-US" sz="3200" dirty="0"/>
+              <a:t>if, else, elif</a:t>
+            </a:r>
+          </a:p>
+          <a:p>
+            <a:pPr lvl="1"/>
+            <a:r>
+              <a:rPr lang="en-US" sz="3400" dirty="0"/>
+              <a:t>Looping</a:t>
+            </a:r>
+          </a:p>
+          <a:p>
+            <a:pPr lvl="2"/>
+            <a:r>
+              <a:rPr lang="en-US" sz="3200" dirty="0"/>
+              <a:t>while, for </a:t>
+            </a:r>
+          </a:p>
+        </p:txBody>
+      </p:sp>
+      <p:sp>
+        <p:nvSpPr>
+          <p:cNvPr id="4" name="Date Placeholder 3">
+            <a:extLst>
+              <a:ext uri="{FF2B5EF4-FFF2-40B4-BE49-F238E27FC236}">
+                <a16:creationId xmlns:a16="http://schemas.microsoft.com/office/drawing/2014/main" id="{90C25163-A307-467B-8281-481AD00A4E10}"/>
+              </a:ext>
+            </a:extLst>
+          </p:cNvPr>
+          <p:cNvSpPr>
+            <a:spLocks noGrp="1"/>
+          </p:cNvSpPr>
+          <p:nvPr>
+            <p:ph type="dt" sz="half" idx="10"/>
+          </p:nvPr>
+        </p:nvSpPr>
+        <p:spPr/>
+        <p:txBody>
+          <a:bodyPr/>
+          <a:lstStyle/>
+          <a:p>
+            <a:fld id="{A7119916-CD40-456D-ABE3-55F8822671F7}" type="datetime1">
+              <a:rPr lang="en-US" smtClean="0"/>
+              <a:t>5/3/2024</a:t>
+            </a:fld>
+            <a:endParaRPr lang="en-US" dirty="0"/>
+          </a:p>
+        </p:txBody>
+      </p:sp>
+      <p:sp>
+        <p:nvSpPr>
+          <p:cNvPr id="5" name="Footer Placeholder 4">
+            <a:extLst>
+              <a:ext uri="{FF2B5EF4-FFF2-40B4-BE49-F238E27FC236}">
+                <a16:creationId xmlns:a16="http://schemas.microsoft.com/office/drawing/2014/main" id="{86A70D75-335C-48DB-8C20-65C961CD627D}"/>
+              </a:ext>
+            </a:extLst>
+          </p:cNvPr>
+          <p:cNvSpPr>
+            <a:spLocks noGrp="1"/>
+          </p:cNvSpPr>
+          <p:nvPr>
+            <p:ph type="ftr" sz="quarter" idx="11"/>
+          </p:nvPr>
+        </p:nvSpPr>
+        <p:spPr/>
+        <p:txBody>
+          <a:bodyPr/>
+          <a:lstStyle/>
+          <a:p>
+            <a:r>
+              <a:rPr lang="en-US"/>
+              <a:t>raysmith@alum.mit.edu</a:t>
+            </a:r>
+            <a:endParaRPr lang="en-US" dirty="0"/>
+          </a:p>
+        </p:txBody>
+      </p:sp>
+      <p:sp>
+        <p:nvSpPr>
+          <p:cNvPr id="6" name="Slide Number Placeholder 5">
+            <a:extLst>
+              <a:ext uri="{FF2B5EF4-FFF2-40B4-BE49-F238E27FC236}">
+                <a16:creationId xmlns:a16="http://schemas.microsoft.com/office/drawing/2014/main" id="{4653B998-CA35-465C-89E6-E712A72128D3}"/>
+              </a:ext>
+            </a:extLst>
+          </p:cNvPr>
+          <p:cNvSpPr>
+            <a:spLocks noGrp="1"/>
+          </p:cNvSpPr>
+          <p:nvPr>
+            <p:ph type="sldNum" sz="quarter" idx="12"/>
+          </p:nvPr>
+        </p:nvSpPr>
+        <p:spPr/>
+        <p:txBody>
+          <a:bodyPr/>
+          <a:lstStyle/>
+          <a:p>
+            <a:fld id="{6D22F896-40B5-4ADD-8801-0D06FADFA095}" type="slidenum">
+              <a:rPr lang="en-US" smtClean="0"/>
+              <a:t>40</a:t>
+            </a:fld>
+            <a:endParaRPr lang="en-US" dirty="0"/>
+          </a:p>
+        </p:txBody>
+      </p:sp>
+    </p:spTree>
+    <p:extLst>
+      <p:ext uri="{BB962C8B-B14F-4D97-AF65-F5344CB8AC3E}">
+        <p14:creationId xmlns:p14="http://schemas.microsoft.com/office/powerpoint/2010/main" val="933396755"/>
+      </p:ext>
+    </p:extLst>
+  </p:cSld>
+  <p:clrMapOvr>
+    <a:masterClrMapping/>
+  </p:clrMapOvr>
+</p:sld>
+</file>
+
+<file path=ppt/slides/slide41.xml><?xml version="1.0" encoding="utf-8"?>
+<p:sld xmlns:a="http://schemas.openxmlformats.org/drawingml/2006/main" xmlns:r="http://schemas.openxmlformats.org/officeDocument/2006/relationships" xmlns:p="http://schemas.openxmlformats.org/presentationml/2006/main">
+  <p:cSld>
+    <p:spTree>
+      <p:nvGrpSpPr>
+        <p:cNvPr id="1" name=""/>
+        <p:cNvGrpSpPr/>
+        <p:nvPr/>
+      </p:nvGrpSpPr>
+      <p:grpSpPr>
+        <a:xfrm>
+          <a:off x="0" y="0"/>
+          <a:ext cx="0" cy="0"/>
+          <a:chOff x="0" y="0"/>
+          <a:chExt cx="0" cy="0"/>
+        </a:xfrm>
+      </p:grpSpPr>
+      <p:sp>
+        <p:nvSpPr>
+          <p:cNvPr id="2" name="Title 1">
+            <a:extLst>
+              <a:ext uri="{FF2B5EF4-FFF2-40B4-BE49-F238E27FC236}">
                 <a16:creationId xmlns:a16="http://schemas.microsoft.com/office/drawing/2014/main" id="{F7E90694-AA7F-451B-A875-1D23D1FDBA32}"/>
               </a:ext>
             </a:extLst>
@@ -20890,7 +20538,7 @@
           <a:p>
             <a:fld id="{A7119916-CD40-456D-ABE3-55F8822671F7}" type="datetime1">
               <a:rPr lang="en-US" smtClean="0"/>
-              <a:t>10/19/2023</a:t>
+              <a:t>5/2/2024</a:t>
             </a:fld>
             <a:endParaRPr lang="en-US" dirty="0"/>
           </a:p>
@@ -20947,7 +20595,7 @@
           <a:p>
             <a:fld id="{6D22F896-40B5-4ADD-8801-0D06FADFA095}" type="slidenum">
               <a:rPr lang="en-US" smtClean="0"/>
-              <a:t>40</a:t>
+              <a:t>41</a:t>
             </a:fld>
             <a:endParaRPr lang="en-US" dirty="0"/>
           </a:p>
@@ -21143,7 +20791,7 @@
           <a:p>
             <a:fld id="{0B07C6D0-642C-4A40-B0F1-13ED56048173}" type="datetime1">
               <a:rPr lang="en-US" smtClean="0"/>
-              <a:t>10/19/2023</a:t>
+              <a:t>5/2/2024</a:t>
             </a:fld>
             <a:endParaRPr lang="en-US" dirty="0"/>
           </a:p>
@@ -21387,7 +21035,7 @@
           <a:p>
             <a:fld id="{A7119916-CD40-456D-ABE3-55F8822671F7}" type="datetime1">
               <a:rPr lang="en-US" smtClean="0"/>
-              <a:t>10/19/2023</a:t>
+              <a:t>5/2/2024</a:t>
             </a:fld>
             <a:endParaRPr lang="en-US" dirty="0"/>
           </a:p>
@@ -21613,7 +21261,7 @@
           <a:p>
             <a:fld id="{52E41419-A9A0-4E48-99EF-6542B4AE3C79}" type="datetime1">
               <a:rPr lang="en-US" smtClean="0"/>
-              <a:t>10/19/2023</a:t>
+              <a:t>5/2/2024</a:t>
             </a:fld>
             <a:endParaRPr lang="en-US" dirty="0"/>
           </a:p>
@@ -21833,7 +21481,7 @@
           <a:p>
             <a:fld id="{A7119916-CD40-456D-ABE3-55F8822671F7}" type="datetime1">
               <a:rPr lang="en-US" smtClean="0"/>
-              <a:t>10/19/2023</a:t>
+              <a:t>5/2/2024</a:t>
             </a:fld>
             <a:endParaRPr lang="en-US" dirty="0"/>
           </a:p>
@@ -22081,7 +21729,7 @@
           <a:p>
             <a:fld id="{F8F3720D-B69F-4A94-83B7-6D73A5F7EAD8}" type="datetime1">
               <a:rPr lang="en-US" smtClean="0"/>
-              <a:t>10/19/2023</a:t>
+              <a:t>5/2/2024</a:t>
             </a:fld>
             <a:endParaRPr lang="en-US" dirty="0"/>
           </a:p>
